--- a/Presentation/FinalReportPresentation.pptx
+++ b/Presentation/FinalReportPresentation.pptx
@@ -9,22 +9,22 @@
   </p:notesMasterIdLst>
   <p:sldIdLst>
     <p:sldId id="256" r:id="rId2"/>
-    <p:sldId id="257" r:id="rId3"/>
-    <p:sldId id="260" r:id="rId4"/>
-    <p:sldId id="265" r:id="rId5"/>
-    <p:sldId id="266" r:id="rId6"/>
-    <p:sldId id="267" r:id="rId7"/>
-    <p:sldId id="269" r:id="rId8"/>
-    <p:sldId id="268" r:id="rId9"/>
-    <p:sldId id="259" r:id="rId10"/>
-    <p:sldId id="262" r:id="rId11"/>
-    <p:sldId id="264" r:id="rId12"/>
-    <p:sldId id="275" r:id="rId13"/>
-    <p:sldId id="274" r:id="rId14"/>
-    <p:sldId id="272" r:id="rId15"/>
-    <p:sldId id="276" r:id="rId16"/>
-    <p:sldId id="271" r:id="rId17"/>
-    <p:sldId id="277" r:id="rId18"/>
+    <p:sldId id="260" r:id="rId3"/>
+    <p:sldId id="265" r:id="rId4"/>
+    <p:sldId id="266" r:id="rId5"/>
+    <p:sldId id="269" r:id="rId6"/>
+    <p:sldId id="268" r:id="rId7"/>
+    <p:sldId id="278" r:id="rId8"/>
+    <p:sldId id="279" r:id="rId9"/>
+    <p:sldId id="262" r:id="rId10"/>
+    <p:sldId id="264" r:id="rId11"/>
+    <p:sldId id="275" r:id="rId12"/>
+    <p:sldId id="274" r:id="rId13"/>
+    <p:sldId id="272" r:id="rId14"/>
+    <p:sldId id="276" r:id="rId15"/>
+    <p:sldId id="271" r:id="rId16"/>
+    <p:sldId id="277" r:id="rId17"/>
+    <p:sldId id="280" r:id="rId18"/>
   </p:sldIdLst>
   <p:sldSz cx="9525000" cy="7156450"/>
   <p:notesSz cx="9525000" cy="7156450"/>
@@ -151,6 +151,7 @@
     <p1510:client id="{4D853B3A-ADFA-87A8-245E-EEAC8ECC8243}" v="236" dt="2021-03-12T19:35:07.701"/>
     <p1510:client id="{51B1B915-9AB5-5E15-1E2E-3428F79ACA79}" v="1627" dt="2021-03-13T11:39:26.056"/>
     <p1510:client id="{5B4B70DB-395D-6CBF-D75F-90497E710859}" v="21" dt="2021-03-13T16:31:47.259"/>
+    <p1510:client id="{7C5E9E81-11A1-2F6A-A52A-AF2FFAAC5BC6}" v="9" dt="2021-03-14T21:16:57.446"/>
     <p1510:client id="{7CD7B39F-B0E6-2000-B730-3360E4DFEB45}" v="915" vWet="917" dt="2021-03-13T11:42:59.277"/>
     <p1510:client id="{7DE757A5-D31B-F930-F9BC-7CEE291646A2}" v="8" dt="2021-03-14T18:50:34.125"/>
     <p1510:client id="{80D75893-023E-4D02-BAE9-0EC7BF46C9AF}" v="1500" dt="2021-03-13T15:52:08.880"/>
@@ -430,6 +431,57 @@
         <pc:sldMkLst>
           <pc:docMk/>
           <pc:sldMk cId="639015515" sldId="269"/>
+        </pc:sldMkLst>
+      </pc:sldChg>
+    </pc:docChg>
+  </pc:docChgLst>
+  <pc:docChgLst>
+    <pc:chgData name="Alessia Guzzo" userId="S::10556670@polimi.it::14be9101-ee85-4289-a4a8-5bedca57ecb0" providerId="AD" clId="Web-{7C5E9E81-11A1-2F6A-A52A-AF2FFAAC5BC6}"/>
+    <pc:docChg chg="addSld delSld modSld sldOrd">
+      <pc:chgData name="Alessia Guzzo" userId="S::10556670@polimi.it::14be9101-ee85-4289-a4a8-5bedca57ecb0" providerId="AD" clId="Web-{7C5E9E81-11A1-2F6A-A52A-AF2FFAAC5BC6}" dt="2021-03-14T21:18:14.041" v="11"/>
+      <pc:docMkLst>
+        <pc:docMk/>
+      </pc:docMkLst>
+      <pc:sldChg chg="del ord">
+        <pc:chgData name="Alessia Guzzo" userId="S::10556670@polimi.it::14be9101-ee85-4289-a4a8-5bedca57ecb0" providerId="AD" clId="Web-{7C5E9E81-11A1-2F6A-A52A-AF2FFAAC5BC6}" dt="2021-03-14T21:14:29.287" v="9"/>
+        <pc:sldMkLst>
+          <pc:docMk/>
+          <pc:sldMk cId="0" sldId="257"/>
+        </pc:sldMkLst>
+      </pc:sldChg>
+      <pc:sldChg chg="del">
+        <pc:chgData name="Alessia Guzzo" userId="S::10556670@polimi.it::14be9101-ee85-4289-a4a8-5bedca57ecb0" providerId="AD" clId="Web-{7C5E9E81-11A1-2F6A-A52A-AF2FFAAC5BC6}" dt="2021-03-14T20:57:18.045" v="6"/>
+        <pc:sldMkLst>
+          <pc:docMk/>
+          <pc:sldMk cId="0" sldId="259"/>
+        </pc:sldMkLst>
+      </pc:sldChg>
+      <pc:sldChg chg="del ord">
+        <pc:chgData name="Alessia Guzzo" userId="S::10556670@polimi.it::14be9101-ee85-4289-a4a8-5bedca57ecb0" providerId="AD" clId="Web-{7C5E9E81-11A1-2F6A-A52A-AF2FFAAC5BC6}" dt="2021-03-14T20:56:07.308" v="3"/>
+        <pc:sldMkLst>
+          <pc:docMk/>
+          <pc:sldMk cId="2944145909" sldId="267"/>
+        </pc:sldMkLst>
+      </pc:sldChg>
+      <pc:sldChg chg="add modNotes">
+        <pc:chgData name="Alessia Guzzo" userId="S::10556670@polimi.it::14be9101-ee85-4289-a4a8-5bedca57ecb0" providerId="AD" clId="Web-{7C5E9E81-11A1-2F6A-A52A-AF2FFAAC5BC6}" dt="2021-03-14T20:56:10.621" v="4"/>
+        <pc:sldMkLst>
+          <pc:docMk/>
+          <pc:sldMk cId="328222602" sldId="278"/>
+        </pc:sldMkLst>
+      </pc:sldChg>
+      <pc:sldChg chg="add modNotes">
+        <pc:chgData name="Alessia Guzzo" userId="S::10556670@polimi.it::14be9101-ee85-4289-a4a8-5bedca57ecb0" providerId="AD" clId="Web-{7C5E9E81-11A1-2F6A-A52A-AF2FFAAC5BC6}" dt="2021-03-14T20:57:21.108" v="7"/>
+        <pc:sldMkLst>
+          <pc:docMk/>
+          <pc:sldMk cId="1054213278" sldId="279"/>
+        </pc:sldMkLst>
+      </pc:sldChg>
+      <pc:sldChg chg="add modNotes">
+        <pc:chgData name="Alessia Guzzo" userId="S::10556670@polimi.it::14be9101-ee85-4289-a4a8-5bedca57ecb0" providerId="AD" clId="Web-{7C5E9E81-11A1-2F6A-A52A-AF2FFAAC5BC6}" dt="2021-03-14T21:18:14.041" v="11"/>
+        <pc:sldMkLst>
+          <pc:docMk/>
+          <pc:sldMk cId="2786765232" sldId="280"/>
         </pc:sldMkLst>
       </pc:sldChg>
     </pc:docChg>
@@ -3070,7 +3122,7 @@
           <a:p>
             <a:fld id="{100CB76D-CB8A-4433-AAE2-7674178D260A}" type="slidenum">
               <a:rPr lang="it-IT"/>
-              <a:t>3</a:t>
+              <a:t>2</a:t>
             </a:fld>
             <a:endParaRPr lang="it-IT"/>
           </a:p>
@@ -3133,9 +3185,7 @@
           <a:bodyPr/>
           <a:lstStyle/>
           <a:p>
-            <a:endParaRPr lang="en-US" dirty="0">
-              <a:cs typeface="Calibri"/>
-            </a:endParaRPr>
+            <a:endParaRPr lang="it-IT"/>
           </a:p>
         </p:txBody>
       </p:sp>
@@ -3156,7 +3206,7 @@
           <a:p>
             <a:fld id="{100CB76D-CB8A-4433-AAE2-7674178D260A}" type="slidenum">
               <a:rPr lang="it-IT"/>
-              <a:t>15</a:t>
+              <a:t>13</a:t>
             </a:fld>
             <a:endParaRPr lang="it-IT"/>
           </a:p>
@@ -3165,7 +3215,7 @@
     </p:spTree>
     <p:extLst>
       <p:ext uri="{BB962C8B-B14F-4D97-AF65-F5344CB8AC3E}">
-        <p14:creationId xmlns:p14="http://schemas.microsoft.com/office/powerpoint/2010/main" val="2896366771"/>
+        <p14:creationId xmlns:p14="http://schemas.microsoft.com/office/powerpoint/2010/main" val="3836783784"/>
       </p:ext>
     </p:extLst>
   </p:cSld>
@@ -3242,7 +3292,93 @@
           <a:p>
             <a:fld id="{100CB76D-CB8A-4433-AAE2-7674178D260A}" type="slidenum">
               <a:rPr lang="it-IT"/>
-              <a:t>17</a:t>
+              <a:t>14</a:t>
+            </a:fld>
+            <a:endParaRPr lang="it-IT"/>
+          </a:p>
+        </p:txBody>
+      </p:sp>
+    </p:spTree>
+    <p:extLst>
+      <p:ext uri="{BB962C8B-B14F-4D97-AF65-F5344CB8AC3E}">
+        <p14:creationId xmlns:p14="http://schemas.microsoft.com/office/powerpoint/2010/main" val="2896366771"/>
+      </p:ext>
+    </p:extLst>
+  </p:cSld>
+  <p:clrMapOvr>
+    <a:masterClrMapping/>
+  </p:clrMapOvr>
+</p:notes>
+</file>
+
+<file path=ppt/notesSlides/notesSlide12.xml><?xml version="1.0" encoding="utf-8"?>
+<p:notes xmlns:a="http://schemas.openxmlformats.org/drawingml/2006/main" xmlns:r="http://schemas.openxmlformats.org/officeDocument/2006/relationships" xmlns:p="http://schemas.openxmlformats.org/presentationml/2006/main">
+  <p:cSld>
+    <p:spTree>
+      <p:nvGrpSpPr>
+        <p:cNvPr id="1" name=""/>
+        <p:cNvGrpSpPr/>
+        <p:nvPr/>
+      </p:nvGrpSpPr>
+      <p:grpSpPr>
+        <a:xfrm>
+          <a:off x="0" y="0"/>
+          <a:ext cx="0" cy="0"/>
+          <a:chOff x="0" y="0"/>
+          <a:chExt cx="0" cy="0"/>
+        </a:xfrm>
+      </p:grpSpPr>
+      <p:sp>
+        <p:nvSpPr>
+          <p:cNvPr id="2" name="Segnaposto immagine diapositiva 1"/>
+          <p:cNvSpPr>
+            <a:spLocks noGrp="1" noRot="1" noChangeAspect="1"/>
+          </p:cNvSpPr>
+          <p:nvPr>
+            <p:ph type="sldImg"/>
+          </p:nvPr>
+        </p:nvSpPr>
+        <p:spPr/>
+      </p:sp>
+      <p:sp>
+        <p:nvSpPr>
+          <p:cNvPr id="3" name="Segnaposto note 2"/>
+          <p:cNvSpPr>
+            <a:spLocks noGrp="1"/>
+          </p:cNvSpPr>
+          <p:nvPr>
+            <p:ph type="body" idx="1"/>
+          </p:nvPr>
+        </p:nvSpPr>
+        <p:spPr/>
+        <p:txBody>
+          <a:bodyPr/>
+          <a:lstStyle/>
+          <a:p>
+            <a:endParaRPr lang="en-US" dirty="0">
+              <a:cs typeface="Calibri"/>
+            </a:endParaRPr>
+          </a:p>
+        </p:txBody>
+      </p:sp>
+      <p:sp>
+        <p:nvSpPr>
+          <p:cNvPr id="4" name="Segnaposto numero diapositiva 3"/>
+          <p:cNvSpPr>
+            <a:spLocks noGrp="1"/>
+          </p:cNvSpPr>
+          <p:nvPr>
+            <p:ph type="sldNum" sz="quarter" idx="5"/>
+          </p:nvPr>
+        </p:nvSpPr>
+        <p:spPr/>
+        <p:txBody>
+          <a:bodyPr/>
+          <a:lstStyle/>
+          <a:p>
+            <a:fld id="{100CB76D-CB8A-4433-AAE2-7674178D260A}" type="slidenum">
+              <a:rPr lang="it-IT"/>
+              <a:t>16</a:t>
             </a:fld>
             <a:endParaRPr lang="it-IT"/>
           </a:p>
@@ -3252,6 +3388,92 @@
     <p:extLst>
       <p:ext uri="{BB962C8B-B14F-4D97-AF65-F5344CB8AC3E}">
         <p14:creationId xmlns:p14="http://schemas.microsoft.com/office/powerpoint/2010/main" val="1542673830"/>
+      </p:ext>
+    </p:extLst>
+  </p:cSld>
+  <p:clrMapOvr>
+    <a:masterClrMapping/>
+  </p:clrMapOvr>
+</p:notes>
+</file>
+
+<file path=ppt/notesSlides/notesSlide13.xml><?xml version="1.0" encoding="utf-8"?>
+<p:notes xmlns:a="http://schemas.openxmlformats.org/drawingml/2006/main" xmlns:r="http://schemas.openxmlformats.org/officeDocument/2006/relationships" xmlns:p="http://schemas.openxmlformats.org/presentationml/2006/main">
+  <p:cSld>
+    <p:spTree>
+      <p:nvGrpSpPr>
+        <p:cNvPr id="1" name=""/>
+        <p:cNvGrpSpPr/>
+        <p:nvPr/>
+      </p:nvGrpSpPr>
+      <p:grpSpPr>
+        <a:xfrm>
+          <a:off x="0" y="0"/>
+          <a:ext cx="0" cy="0"/>
+          <a:chOff x="0" y="0"/>
+          <a:chExt cx="0" cy="0"/>
+        </a:xfrm>
+      </p:grpSpPr>
+      <p:sp>
+        <p:nvSpPr>
+          <p:cNvPr id="2" name="Segnaposto immagine diapositiva 1"/>
+          <p:cNvSpPr>
+            <a:spLocks noGrp="1" noRot="1" noChangeAspect="1"/>
+          </p:cNvSpPr>
+          <p:nvPr>
+            <p:ph type="sldImg"/>
+          </p:nvPr>
+        </p:nvSpPr>
+        <p:spPr/>
+      </p:sp>
+      <p:sp>
+        <p:nvSpPr>
+          <p:cNvPr id="3" name="Segnaposto note 2"/>
+          <p:cNvSpPr>
+            <a:spLocks noGrp="1"/>
+          </p:cNvSpPr>
+          <p:nvPr>
+            <p:ph type="body" idx="1"/>
+          </p:nvPr>
+        </p:nvSpPr>
+        <p:spPr/>
+        <p:txBody>
+          <a:bodyPr/>
+          <a:lstStyle/>
+          <a:p>
+            <a:endParaRPr lang="en-US" dirty="0">
+              <a:cs typeface="Calibri"/>
+            </a:endParaRPr>
+          </a:p>
+        </p:txBody>
+      </p:sp>
+      <p:sp>
+        <p:nvSpPr>
+          <p:cNvPr id="4" name="Segnaposto numero diapositiva 3"/>
+          <p:cNvSpPr>
+            <a:spLocks noGrp="1"/>
+          </p:cNvSpPr>
+          <p:nvPr>
+            <p:ph type="sldNum" sz="quarter" idx="5"/>
+          </p:nvPr>
+        </p:nvSpPr>
+        <p:spPr/>
+        <p:txBody>
+          <a:bodyPr/>
+          <a:lstStyle/>
+          <a:p>
+            <a:fld id="{100CB76D-CB8A-4433-AAE2-7674178D260A}" type="slidenum">
+              <a:rPr lang="it-IT"/>
+              <a:t>17</a:t>
+            </a:fld>
+            <a:endParaRPr lang="it-IT"/>
+          </a:p>
+        </p:txBody>
+      </p:sp>
+    </p:spTree>
+    <p:extLst>
+      <p:ext uri="{BB962C8B-B14F-4D97-AF65-F5344CB8AC3E}">
+        <p14:creationId xmlns:p14="http://schemas.microsoft.com/office/powerpoint/2010/main" val="3142588783"/>
       </p:ext>
     </p:extLst>
   </p:cSld>
@@ -3328,7 +3550,7 @@
           <a:p>
             <a:fld id="{100CB76D-CB8A-4433-AAE2-7674178D260A}" type="slidenum">
               <a:rPr lang="it-IT"/>
-              <a:t>4</a:t>
+              <a:t>3</a:t>
             </a:fld>
             <a:endParaRPr lang="it-IT"/>
           </a:p>
@@ -3414,7 +3636,7 @@
           <a:p>
             <a:fld id="{100CB76D-CB8A-4433-AAE2-7674178D260A}" type="slidenum">
               <a:rPr lang="it-IT"/>
-              <a:t>5</a:t>
+              <a:t>4</a:t>
             </a:fld>
             <a:endParaRPr lang="it-IT"/>
           </a:p>
@@ -3500,7 +3722,7 @@
           <a:p>
             <a:fld id="{100CB76D-CB8A-4433-AAE2-7674178D260A}" type="slidenum">
               <a:rPr lang="it-IT"/>
-              <a:t>6</a:t>
+              <a:t>5</a:t>
             </a:fld>
             <a:endParaRPr lang="it-IT"/>
           </a:p>
@@ -3509,7 +3731,7 @@
     </p:spTree>
     <p:extLst>
       <p:ext uri="{BB962C8B-B14F-4D97-AF65-F5344CB8AC3E}">
-        <p14:creationId xmlns:p14="http://schemas.microsoft.com/office/powerpoint/2010/main" val="1269849346"/>
+        <p14:creationId xmlns:p14="http://schemas.microsoft.com/office/powerpoint/2010/main" val="912752564"/>
       </p:ext>
     </p:extLst>
   </p:cSld>
@@ -3586,7 +3808,7 @@
           <a:p>
             <a:fld id="{100CB76D-CB8A-4433-AAE2-7674178D260A}" type="slidenum">
               <a:rPr lang="it-IT"/>
-              <a:t>7</a:t>
+              <a:t>6</a:t>
             </a:fld>
             <a:endParaRPr lang="it-IT"/>
           </a:p>
@@ -3595,7 +3817,7 @@
     </p:spTree>
     <p:extLst>
       <p:ext uri="{BB962C8B-B14F-4D97-AF65-F5344CB8AC3E}">
-        <p14:creationId xmlns:p14="http://schemas.microsoft.com/office/powerpoint/2010/main" val="912752564"/>
+        <p14:creationId xmlns:p14="http://schemas.microsoft.com/office/powerpoint/2010/main" val="3355378932"/>
       </p:ext>
     </p:extLst>
   </p:cSld>
@@ -3649,7 +3871,7 @@
           <a:bodyPr/>
           <a:lstStyle/>
           <a:p>
-            <a:endParaRPr lang="en-US" dirty="0">
+            <a:endParaRPr lang="it-IT" err="1">
               <a:cs typeface="Calibri"/>
             </a:endParaRPr>
           </a:p>
@@ -3672,7 +3894,7 @@
           <a:p>
             <a:fld id="{100CB76D-CB8A-4433-AAE2-7674178D260A}" type="slidenum">
               <a:rPr lang="it-IT"/>
-              <a:t>8</a:t>
+              <a:t>7</a:t>
             </a:fld>
             <a:endParaRPr lang="it-IT"/>
           </a:p>
@@ -3681,7 +3903,7 @@
     </p:spTree>
     <p:extLst>
       <p:ext uri="{BB962C8B-B14F-4D97-AF65-F5344CB8AC3E}">
-        <p14:creationId xmlns:p14="http://schemas.microsoft.com/office/powerpoint/2010/main" val="3355378932"/>
+        <p14:creationId xmlns:p14="http://schemas.microsoft.com/office/powerpoint/2010/main" val="1269849346"/>
       </p:ext>
     </p:extLst>
   </p:cSld>
@@ -3735,7 +3957,7 @@
           <a:bodyPr/>
           <a:lstStyle/>
           <a:p>
-            <a:endParaRPr lang="it-IT" dirty="0">
+            <a:endParaRPr lang="en-US" dirty="0">
               <a:cs typeface="Calibri"/>
             </a:endParaRPr>
           </a:p>
@@ -3758,7 +3980,7 @@
           <a:p>
             <a:fld id="{100CB76D-CB8A-4433-AAE2-7674178D260A}" type="slidenum">
               <a:rPr lang="it-IT"/>
-              <a:t>12</a:t>
+              <a:t>8</a:t>
             </a:fld>
             <a:endParaRPr lang="it-IT"/>
           </a:p>
@@ -3767,7 +3989,7 @@
     </p:spTree>
     <p:extLst>
       <p:ext uri="{BB962C8B-B14F-4D97-AF65-F5344CB8AC3E}">
-        <p14:creationId xmlns:p14="http://schemas.microsoft.com/office/powerpoint/2010/main" val="984872403"/>
+        <p14:creationId xmlns:p14="http://schemas.microsoft.com/office/powerpoint/2010/main" val="1972758483"/>
       </p:ext>
     </p:extLst>
   </p:cSld>
@@ -3844,7 +4066,7 @@
           <a:p>
             <a:fld id="{100CB76D-CB8A-4433-AAE2-7674178D260A}" type="slidenum">
               <a:rPr lang="it-IT"/>
-              <a:t>13</a:t>
+              <a:t>11</a:t>
             </a:fld>
             <a:endParaRPr lang="it-IT"/>
           </a:p>
@@ -3853,7 +4075,7 @@
     </p:spTree>
     <p:extLst>
       <p:ext uri="{BB962C8B-B14F-4D97-AF65-F5344CB8AC3E}">
-        <p14:creationId xmlns:p14="http://schemas.microsoft.com/office/powerpoint/2010/main" val="2724340466"/>
+        <p14:creationId xmlns:p14="http://schemas.microsoft.com/office/powerpoint/2010/main" val="984872403"/>
       </p:ext>
     </p:extLst>
   </p:cSld>
@@ -3907,7 +4129,9 @@
           <a:bodyPr/>
           <a:lstStyle/>
           <a:p>
-            <a:endParaRPr lang="it-IT"/>
+            <a:endParaRPr lang="it-IT" dirty="0">
+              <a:cs typeface="Calibri"/>
+            </a:endParaRPr>
           </a:p>
         </p:txBody>
       </p:sp>
@@ -3928,7 +4152,7 @@
           <a:p>
             <a:fld id="{100CB76D-CB8A-4433-AAE2-7674178D260A}" type="slidenum">
               <a:rPr lang="it-IT"/>
-              <a:t>14</a:t>
+              <a:t>12</a:t>
             </a:fld>
             <a:endParaRPr lang="it-IT"/>
           </a:p>
@@ -3937,7 +4161,7 @@
     </p:spTree>
     <p:extLst>
       <p:ext uri="{BB962C8B-B14F-4D97-AF65-F5344CB8AC3E}">
-        <p14:creationId xmlns:p14="http://schemas.microsoft.com/office/powerpoint/2010/main" val="3836783784"/>
+        <p14:creationId xmlns:p14="http://schemas.microsoft.com/office/powerpoint/2010/main" val="2724340466"/>
       </p:ext>
     </p:extLst>
   </p:cSld>
@@ -5407,368 +5631,6 @@
         </p:nvSpPr>
         <p:spPr>
           <a:xfrm>
-            <a:off x="0" y="10935"/>
-            <a:ext cx="9524999" cy="7143750"/>
-          </a:xfrm>
-          <a:prstGeom prst="rect">
-            <a:avLst/>
-          </a:prstGeom>
-          <a:blipFill>
-            <a:blip r:embed="rId2" cstate="print"/>
-            <a:stretch>
-              <a:fillRect/>
-            </a:stretch>
-          </a:blipFill>
-        </p:spPr>
-        <p:txBody>
-          <a:bodyPr wrap="square" lIns="0" tIns="0" rIns="0" bIns="0" rtlCol="0"/>
-          <a:lstStyle/>
-          <a:p>
-            <a:endParaRPr u="sng"/>
-          </a:p>
-        </p:txBody>
-      </p:sp>
-      <p:sp>
-        <p:nvSpPr>
-          <p:cNvPr id="7" name="CasellaDiTesto 6">
-            <a:extLst>
-              <a:ext uri="{FF2B5EF4-FFF2-40B4-BE49-F238E27FC236}">
-                <a16:creationId xmlns:a16="http://schemas.microsoft.com/office/drawing/2014/main" id="{0799D785-B706-42C2-A146-E1FD583261BB}"/>
-              </a:ext>
-            </a:extLst>
-          </p:cNvPr>
-          <p:cNvSpPr txBox="1"/>
-          <p:nvPr/>
-        </p:nvSpPr>
-        <p:spPr>
-          <a:xfrm>
-            <a:off x="5155" y="378691"/>
-            <a:ext cx="9477077" cy="540375"/>
-          </a:xfrm>
-          <a:prstGeom prst="rect">
-            <a:avLst/>
-          </a:prstGeom>
-          <a:noFill/>
-        </p:spPr>
-        <p:txBody>
-          <a:bodyPr wrap="square" lIns="91440" tIns="45720" rIns="91440" bIns="45720" rtlCol="0" anchor="t">
-            <a:spAutoFit/>
-          </a:bodyPr>
-          <a:lstStyle/>
-          <a:p>
-            <a:r>
-              <a:rPr lang="it-IT" sz="2800">
-                <a:solidFill>
-                  <a:schemeClr val="bg1"/>
-                </a:solidFill>
-              </a:rPr>
-              <a:t>  Timing </a:t>
-            </a:r>
-            <a:r>
-              <a:rPr lang="it-IT" sz="2800" err="1">
-                <a:solidFill>
-                  <a:schemeClr val="bg1"/>
-                </a:solidFill>
-              </a:rPr>
-              <a:t>Comparison</a:t>
-            </a:r>
-            <a:r>
-              <a:rPr lang="it-IT" sz="2800">
-                <a:solidFill>
-                  <a:schemeClr val="bg1"/>
-                </a:solidFill>
-              </a:rPr>
-              <a:t>: Post </a:t>
-            </a:r>
-            <a:r>
-              <a:rPr lang="it-IT" sz="2800" err="1">
-                <a:solidFill>
-                  <a:schemeClr val="bg1"/>
-                </a:solidFill>
-              </a:rPr>
-              <a:t>Synthesys</a:t>
-            </a:r>
-            <a:endParaRPr lang="it-IT" sz="2800">
-              <a:solidFill>
-                <a:schemeClr val="bg1"/>
-              </a:solidFill>
-            </a:endParaRPr>
-          </a:p>
-        </p:txBody>
-      </p:sp>
-      <p:pic>
-        <p:nvPicPr>
-          <p:cNvPr id="9" name="Immagine 8">
-            <a:extLst>
-              <a:ext uri="{FF2B5EF4-FFF2-40B4-BE49-F238E27FC236}">
-                <a16:creationId xmlns:a16="http://schemas.microsoft.com/office/drawing/2014/main" id="{91B0055F-084B-48BE-85D9-053314972403}"/>
-              </a:ext>
-            </a:extLst>
-          </p:cNvPr>
-          <p:cNvPicPr>
-            <a:picLocks noChangeAspect="1"/>
-          </p:cNvPicPr>
-          <p:nvPr/>
-        </p:nvPicPr>
-        <p:blipFill rotWithShape="1">
-          <a:blip r:embed="rId3">
-            <a:extLst>
-              <a:ext uri="{28A0092B-C50C-407E-A947-70E740481C1C}">
-                <a14:useLocalDpi xmlns:a14="http://schemas.microsoft.com/office/drawing/2010/main" val="0"/>
-              </a:ext>
-            </a:extLst>
-          </a:blip>
-          <a:srcRect l="2262" t="10174" r="1905" b="47093"/>
-          <a:stretch/>
-        </p:blipFill>
-        <p:spPr>
-          <a:xfrm>
-            <a:off x="530555" y="2254225"/>
-            <a:ext cx="8463838" cy="1533648"/>
-          </a:xfrm>
-          <a:prstGeom prst="rect">
-            <a:avLst/>
-          </a:prstGeom>
-        </p:spPr>
-      </p:pic>
-      <p:pic>
-        <p:nvPicPr>
-          <p:cNvPr id="12" name="Immagine 11">
-            <a:extLst>
-              <a:ext uri="{FF2B5EF4-FFF2-40B4-BE49-F238E27FC236}">
-                <a16:creationId xmlns:a16="http://schemas.microsoft.com/office/drawing/2014/main" id="{29D5DBC8-64F4-40A3-81DB-EB02FC65BDA5}"/>
-              </a:ext>
-            </a:extLst>
-          </p:cNvPr>
-          <p:cNvPicPr>
-            <a:picLocks noChangeAspect="1"/>
-          </p:cNvPicPr>
-          <p:nvPr/>
-        </p:nvPicPr>
-        <p:blipFill rotWithShape="1">
-          <a:blip r:embed="rId4">
-            <a:extLst>
-              <a:ext uri="{28A0092B-C50C-407E-A947-70E740481C1C}">
-                <a14:useLocalDpi xmlns:a14="http://schemas.microsoft.com/office/drawing/2010/main" val="0"/>
-              </a:ext>
-            </a:extLst>
-          </a:blip>
-          <a:srcRect l="1087" t="12802" r="1779" b="46618"/>
-          <a:stretch/>
-        </p:blipFill>
-        <p:spPr>
-          <a:xfrm>
-            <a:off x="529553" y="4229060"/>
-            <a:ext cx="8512066" cy="1752556"/>
-          </a:xfrm>
-          <a:prstGeom prst="rect">
-            <a:avLst/>
-          </a:prstGeom>
-        </p:spPr>
-      </p:pic>
-      <p:sp>
-        <p:nvSpPr>
-          <p:cNvPr id="13" name="CasellaDiTesto 12">
-            <a:extLst>
-              <a:ext uri="{FF2B5EF4-FFF2-40B4-BE49-F238E27FC236}">
-                <a16:creationId xmlns:a16="http://schemas.microsoft.com/office/drawing/2014/main" id="{B7A90E75-B5B3-448C-ACAE-D1E7399985CF}"/>
-              </a:ext>
-            </a:extLst>
-          </p:cNvPr>
-          <p:cNvSpPr txBox="1"/>
-          <p:nvPr/>
-        </p:nvSpPr>
-        <p:spPr>
-          <a:xfrm>
-            <a:off x="6510885" y="2767645"/>
-            <a:ext cx="1345087" cy="646331"/>
-          </a:xfrm>
-          <a:prstGeom prst="rect">
-            <a:avLst/>
-          </a:prstGeom>
-        </p:spPr>
-        <p:style>
-          <a:lnRef idx="2">
-            <a:schemeClr val="accent5"/>
-          </a:lnRef>
-          <a:fillRef idx="1">
-            <a:schemeClr val="lt1"/>
-          </a:fillRef>
-          <a:effectRef idx="0">
-            <a:schemeClr val="accent5"/>
-          </a:effectRef>
-          <a:fontRef idx="minor">
-            <a:schemeClr val="dk1"/>
-          </a:fontRef>
-        </p:style>
-        <p:txBody>
-          <a:bodyPr wrap="square" lIns="91440" tIns="45720" rIns="91440" bIns="45720" rtlCol="0" anchor="t">
-            <a:spAutoFit/>
-          </a:bodyPr>
-          <a:lstStyle/>
-          <a:p>
-            <a:r>
-              <a:rPr lang="it-IT"/>
-              <a:t>BRAM: 2,265 ns</a:t>
-            </a:r>
-          </a:p>
-        </p:txBody>
-      </p:sp>
-      <p:sp>
-        <p:nvSpPr>
-          <p:cNvPr id="3" name="CasellaDiTesto 2">
-            <a:extLst>
-              <a:ext uri="{FF2B5EF4-FFF2-40B4-BE49-F238E27FC236}">
-                <a16:creationId xmlns:a16="http://schemas.microsoft.com/office/drawing/2014/main" id="{658DADC0-8842-45C0-93ED-698917C49B55}"/>
-              </a:ext>
-            </a:extLst>
-          </p:cNvPr>
-          <p:cNvSpPr txBox="1"/>
-          <p:nvPr/>
-        </p:nvSpPr>
-        <p:spPr>
-          <a:xfrm>
-            <a:off x="864522" y="1472862"/>
-            <a:ext cx="5864124" cy="369332"/>
-          </a:xfrm>
-          <a:prstGeom prst="rect">
-            <a:avLst/>
-          </a:prstGeom>
-          <a:noFill/>
-        </p:spPr>
-        <p:txBody>
-          <a:bodyPr rot="0" spcFirstLastPara="0" vertOverflow="overflow" horzOverflow="overflow" vert="horz" wrap="square" lIns="91440" tIns="45720" rIns="91440" bIns="45720" numCol="1" spcCol="0" rtlCol="0" fromWordArt="0" anchor="t" anchorCtr="0" forceAA="0" compatLnSpc="1">
-            <a:prstTxWarp prst="textNoShape">
-              <a:avLst/>
-            </a:prstTxWarp>
-            <a:spAutoFit/>
-          </a:bodyPr>
-          <a:lstStyle/>
-          <a:p>
-            <a:r>
-              <a:rPr lang="it-IT" err="1"/>
-              <a:t>We</a:t>
-            </a:r>
-            <a:r>
-              <a:rPr lang="it-IT"/>
-              <a:t> are </a:t>
-            </a:r>
-            <a:r>
-              <a:rPr lang="it-IT" err="1"/>
-              <a:t>interested</a:t>
-            </a:r>
-            <a:r>
-              <a:rPr lang="it-IT"/>
-              <a:t> in the </a:t>
-            </a:r>
-            <a:r>
-              <a:rPr lang="it-IT" err="1"/>
-              <a:t>difference</a:t>
-            </a:r>
-            <a:r>
-              <a:rPr lang="it-IT"/>
-              <a:t> RDATA- CLK.</a:t>
-            </a:r>
-          </a:p>
-        </p:txBody>
-      </p:sp>
-      <p:sp>
-        <p:nvSpPr>
-          <p:cNvPr id="4" name="CasellaDiTesto 3">
-            <a:extLst>
-              <a:ext uri="{FF2B5EF4-FFF2-40B4-BE49-F238E27FC236}">
-                <a16:creationId xmlns:a16="http://schemas.microsoft.com/office/drawing/2014/main" id="{A27E4EB7-FFD3-42C3-9E4C-1AC54ABB5EBE}"/>
-              </a:ext>
-            </a:extLst>
-          </p:cNvPr>
-          <p:cNvSpPr txBox="1"/>
-          <p:nvPr/>
-        </p:nvSpPr>
-        <p:spPr>
-          <a:xfrm>
-            <a:off x="6513612" y="4781305"/>
-            <a:ext cx="1467205" cy="649384"/>
-          </a:xfrm>
-          <a:prstGeom prst="rect">
-            <a:avLst/>
-          </a:prstGeom>
-        </p:spPr>
-        <p:style>
-          <a:lnRef idx="2">
-            <a:schemeClr val="accent5"/>
-          </a:lnRef>
-          <a:fillRef idx="1">
-            <a:schemeClr val="lt1"/>
-          </a:fillRef>
-          <a:effectRef idx="0">
-            <a:schemeClr val="accent5"/>
-          </a:effectRef>
-          <a:fontRef idx="minor">
-            <a:schemeClr val="dk1"/>
-          </a:fontRef>
-        </p:style>
-        <p:txBody>
-          <a:bodyPr rot="0" spcFirstLastPara="0" vertOverflow="overflow" horzOverflow="overflow" vert="horz" wrap="square" lIns="91440" tIns="45720" rIns="91440" bIns="45720" numCol="1" spcCol="0" rtlCol="0" fromWordArt="0" anchor="t" anchorCtr="0" forceAA="0" compatLnSpc="1">
-            <a:prstTxWarp prst="textNoShape">
-              <a:avLst/>
-            </a:prstTxWarp>
-            <a:spAutoFit/>
-          </a:bodyPr>
-          <a:lstStyle/>
-          <a:p>
-            <a:r>
-              <a:rPr lang="it-IT" err="1">
-                <a:cs typeface="Calibri"/>
-              </a:rPr>
-              <a:t>Our</a:t>
-            </a:r>
-            <a:r>
-              <a:rPr lang="it-IT">
-                <a:cs typeface="Calibri"/>
-              </a:rPr>
-              <a:t> Memory 0,94 ns</a:t>
-            </a:r>
-          </a:p>
-        </p:txBody>
-      </p:sp>
-    </p:spTree>
-    <p:extLst>
-      <p:ext uri="{BB962C8B-B14F-4D97-AF65-F5344CB8AC3E}">
-        <p14:creationId xmlns:p14="http://schemas.microsoft.com/office/powerpoint/2010/main" val="3761007840"/>
-      </p:ext>
-    </p:extLst>
-  </p:cSld>
-  <p:clrMapOvr>
-    <a:masterClrMapping/>
-  </p:clrMapOvr>
-</p:sld>
-</file>
-
-<file path=ppt/slides/slide11.xml><?xml version="1.0" encoding="utf-8"?>
-<p:sld xmlns:a="http://schemas.openxmlformats.org/drawingml/2006/main" xmlns:r="http://schemas.openxmlformats.org/officeDocument/2006/relationships" xmlns:p="http://schemas.openxmlformats.org/presentationml/2006/main" showMasterSp="0">
-  <p:cSld>
-    <p:spTree>
-      <p:nvGrpSpPr>
-        <p:cNvPr id="1" name=""/>
-        <p:cNvGrpSpPr/>
-        <p:nvPr/>
-      </p:nvGrpSpPr>
-      <p:grpSpPr>
-        <a:xfrm>
-          <a:off x="0" y="0"/>
-          <a:ext cx="0" cy="0"/>
-          <a:chOff x="0" y="0"/>
-          <a:chExt cx="0" cy="0"/>
-        </a:xfrm>
-      </p:grpSpPr>
-      <p:sp>
-        <p:nvSpPr>
-          <p:cNvPr id="2" name="object 2"/>
-          <p:cNvSpPr/>
-          <p:nvPr/>
-        </p:nvSpPr>
-        <p:spPr>
-          <a:xfrm>
             <a:off x="1" y="54601"/>
             <a:ext cx="9524999" cy="7143750"/>
           </a:xfrm>
@@ -6134,7 +5996,7 @@
 </p:sld>
 </file>
 
-<file path=ppt/slides/slide12.xml><?xml version="1.0" encoding="utf-8"?>
+<file path=ppt/slides/slide11.xml><?xml version="1.0" encoding="utf-8"?>
 <p:sld xmlns:a="http://schemas.openxmlformats.org/drawingml/2006/main" xmlns:r="http://schemas.openxmlformats.org/officeDocument/2006/relationships" xmlns:p="http://schemas.openxmlformats.org/presentationml/2006/main">
   <p:cSld>
     <p:spTree>
@@ -7041,7 +6903,7 @@
 </p:sld>
 </file>
 
-<file path=ppt/slides/slide13.xml><?xml version="1.0" encoding="utf-8"?>
+<file path=ppt/slides/slide12.xml><?xml version="1.0" encoding="utf-8"?>
 <p:sld xmlns:a="http://schemas.openxmlformats.org/drawingml/2006/main" xmlns:r="http://schemas.openxmlformats.org/officeDocument/2006/relationships" xmlns:p="http://schemas.openxmlformats.org/presentationml/2006/main" showMasterSp="0">
   <p:cSld>
     <p:spTree>
@@ -7569,7 +7431,7 @@
 </p:sld>
 </file>
 
-<file path=ppt/slides/slide14.xml><?xml version="1.0" encoding="utf-8"?>
+<file path=ppt/slides/slide13.xml><?xml version="1.0" encoding="utf-8"?>
 <p:sld xmlns:a="http://schemas.openxmlformats.org/drawingml/2006/main" xmlns:r="http://schemas.openxmlformats.org/officeDocument/2006/relationships" xmlns:p="http://schemas.openxmlformats.org/presentationml/2006/main">
   <p:cSld>
     <p:spTree>
@@ -7877,7 +7739,7 @@
 </p:sld>
 </file>
 
-<file path=ppt/slides/slide15.xml><?xml version="1.0" encoding="utf-8"?>
+<file path=ppt/slides/slide14.xml><?xml version="1.0" encoding="utf-8"?>
 <p:sld xmlns:a="http://schemas.openxmlformats.org/drawingml/2006/main" xmlns:r="http://schemas.openxmlformats.org/officeDocument/2006/relationships" xmlns:p="http://schemas.openxmlformats.org/presentationml/2006/main" showMasterSp="0">
   <p:cSld>
     <p:spTree>
@@ -8663,7 +8525,7 @@
 </p:sld>
 </file>
 
-<file path=ppt/slides/slide16.xml><?xml version="1.0" encoding="utf-8"?>
+<file path=ppt/slides/slide15.xml><?xml version="1.0" encoding="utf-8"?>
 <p:sld xmlns:a="http://schemas.openxmlformats.org/drawingml/2006/main" xmlns:r="http://schemas.openxmlformats.org/officeDocument/2006/relationships" xmlns:p="http://schemas.openxmlformats.org/presentationml/2006/main" showMasterSp="0">
   <p:cSld>
     <p:spTree>
@@ -9070,6 +8932,266 @@
     <p:extLst>
       <p:ext uri="{BB962C8B-B14F-4D97-AF65-F5344CB8AC3E}">
         <p14:creationId xmlns:p14="http://schemas.microsoft.com/office/powerpoint/2010/main" val="568597990"/>
+      </p:ext>
+    </p:extLst>
+  </p:cSld>
+  <p:clrMapOvr>
+    <a:masterClrMapping/>
+  </p:clrMapOvr>
+</p:sld>
+</file>
+
+<file path=ppt/slides/slide16.xml><?xml version="1.0" encoding="utf-8"?>
+<p:sld xmlns:a="http://schemas.openxmlformats.org/drawingml/2006/main" xmlns:r="http://schemas.openxmlformats.org/officeDocument/2006/relationships" xmlns:p="http://schemas.openxmlformats.org/presentationml/2006/main" showMasterSp="0">
+  <p:cSld>
+    <p:spTree>
+      <p:nvGrpSpPr>
+        <p:cNvPr id="1" name=""/>
+        <p:cNvGrpSpPr/>
+        <p:nvPr/>
+      </p:nvGrpSpPr>
+      <p:grpSpPr>
+        <a:xfrm>
+          <a:off x="0" y="0"/>
+          <a:ext cx="0" cy="0"/>
+          <a:chOff x="0" y="0"/>
+          <a:chExt cx="0" cy="0"/>
+        </a:xfrm>
+      </p:grpSpPr>
+      <p:sp>
+        <p:nvSpPr>
+          <p:cNvPr id="2" name="object 2"/>
+          <p:cNvSpPr/>
+          <p:nvPr/>
+        </p:nvSpPr>
+        <p:spPr>
+          <a:xfrm>
+            <a:off x="0" y="-5156"/>
+            <a:ext cx="9524999" cy="7143750"/>
+          </a:xfrm>
+          <a:prstGeom prst="rect">
+            <a:avLst/>
+          </a:prstGeom>
+          <a:blipFill>
+            <a:blip r:embed="rId3" cstate="print"/>
+            <a:stretch>
+              <a:fillRect/>
+            </a:stretch>
+          </a:blipFill>
+        </p:spPr>
+        <p:txBody>
+          <a:bodyPr wrap="square" lIns="0" tIns="0" rIns="0" bIns="0" rtlCol="0"/>
+          <a:lstStyle/>
+          <a:p>
+            <a:endParaRPr/>
+          </a:p>
+        </p:txBody>
+      </p:sp>
+      <p:sp>
+        <p:nvSpPr>
+          <p:cNvPr id="3" name="CasellaDiTesto 2">
+            <a:extLst>
+              <a:ext uri="{FF2B5EF4-FFF2-40B4-BE49-F238E27FC236}">
+                <a16:creationId xmlns:a16="http://schemas.microsoft.com/office/drawing/2014/main" id="{658DADC0-8842-45C0-93ED-698917C49B55}"/>
+              </a:ext>
+            </a:extLst>
+          </p:cNvPr>
+          <p:cNvSpPr txBox="1"/>
+          <p:nvPr/>
+        </p:nvSpPr>
+        <p:spPr>
+          <a:xfrm>
+            <a:off x="302540" y="1964900"/>
+            <a:ext cx="8926705" cy="1200329"/>
+          </a:xfrm>
+          <a:prstGeom prst="rect">
+            <a:avLst/>
+          </a:prstGeom>
+          <a:noFill/>
+        </p:spPr>
+        <p:txBody>
+          <a:bodyPr rot="0" spcFirstLastPara="0" vertOverflow="overflow" horzOverflow="overflow" vert="horz" wrap="square" lIns="91440" tIns="45720" rIns="91440" bIns="45720" numCol="1" spcCol="0" rtlCol="0" fromWordArt="0" anchor="t" anchorCtr="0" forceAA="0" compatLnSpc="1">
+            <a:prstTxWarp prst="textNoShape">
+              <a:avLst/>
+            </a:prstTxWarp>
+            <a:spAutoFit/>
+          </a:bodyPr>
+          <a:lstStyle/>
+          <a:p>
+            <a:r>
+              <a:rPr lang="en-US" dirty="0">
+                <a:ea typeface="+mn-lt"/>
+                <a:cs typeface="+mn-lt"/>
+              </a:rPr>
+              <a:t>We noticed that the WREADY signal is asserted  by the slave well after the </a:t>
+            </a:r>
+            <a:r>
+              <a:rPr lang="en-US" dirty="0" err="1">
+                <a:ea typeface="+mn-lt"/>
+                <a:cs typeface="+mn-lt"/>
+              </a:rPr>
+              <a:t>leds</a:t>
+            </a:r>
+            <a:r>
+              <a:rPr lang="en-US" dirty="0">
+                <a:ea typeface="+mn-lt"/>
+                <a:cs typeface="+mn-lt"/>
+              </a:rPr>
+              <a:t> are stabilized on their steady state values, thus preventing the master from trying to perform any other transfer until the glitch has ended. </a:t>
+            </a:r>
+            <a:endParaRPr lang="it-IT" dirty="0"/>
+          </a:p>
+          <a:p>
+            <a:endParaRPr lang="it-IT">
+              <a:ea typeface="+mn-lt"/>
+              <a:cs typeface="+mn-lt"/>
+            </a:endParaRPr>
+          </a:p>
+        </p:txBody>
+      </p:sp>
+      <p:sp>
+        <p:nvSpPr>
+          <p:cNvPr id="4" name="CasellaDiTesto 3">
+            <a:extLst>
+              <a:ext uri="{FF2B5EF4-FFF2-40B4-BE49-F238E27FC236}">
+                <a16:creationId xmlns:a16="http://schemas.microsoft.com/office/drawing/2014/main" id="{A27E4EB7-FFD3-42C3-9E4C-1AC54ABB5EBE}"/>
+              </a:ext>
+            </a:extLst>
+          </p:cNvPr>
+          <p:cNvSpPr txBox="1"/>
+          <p:nvPr/>
+        </p:nvSpPr>
+        <p:spPr>
+          <a:xfrm>
+            <a:off x="5796652" y="2199488"/>
+            <a:ext cx="3264831" cy="369332"/>
+          </a:xfrm>
+          <a:prstGeom prst="rect">
+            <a:avLst/>
+          </a:prstGeom>
+          <a:noFill/>
+        </p:spPr>
+        <p:txBody>
+          <a:bodyPr rot="0" spcFirstLastPara="0" vertOverflow="overflow" horzOverflow="overflow" vert="horz" wrap="square" lIns="91440" tIns="45720" rIns="91440" bIns="45720" numCol="1" spcCol="0" rtlCol="0" fromWordArt="0" anchor="t" anchorCtr="0" forceAA="0" compatLnSpc="1">
+            <a:prstTxWarp prst="textNoShape">
+              <a:avLst/>
+            </a:prstTxWarp>
+            <a:spAutoFit/>
+          </a:bodyPr>
+          <a:lstStyle/>
+          <a:p>
+            <a:pPr algn="l"/>
+            <a:endParaRPr lang="it-IT">
+              <a:cs typeface="Calibri"/>
+            </a:endParaRPr>
+          </a:p>
+        </p:txBody>
+      </p:sp>
+      <p:sp>
+        <p:nvSpPr>
+          <p:cNvPr id="5" name="CasellaDiTesto 4">
+            <a:extLst>
+              <a:ext uri="{FF2B5EF4-FFF2-40B4-BE49-F238E27FC236}">
+                <a16:creationId xmlns:a16="http://schemas.microsoft.com/office/drawing/2014/main" id="{BE8C1D51-5E76-4F4D-8605-AE406176EDEA}"/>
+              </a:ext>
+            </a:extLst>
+          </p:cNvPr>
+          <p:cNvSpPr txBox="1"/>
+          <p:nvPr/>
+        </p:nvSpPr>
+        <p:spPr>
+          <a:xfrm>
+            <a:off x="-2" y="360704"/>
+            <a:ext cx="9525000" cy="523220"/>
+          </a:xfrm>
+          <a:prstGeom prst="rect">
+            <a:avLst/>
+          </a:prstGeom>
+          <a:noFill/>
+        </p:spPr>
+        <p:txBody>
+          <a:bodyPr rot="0" spcFirstLastPara="0" vertOverflow="overflow" horzOverflow="overflow" vert="horz" wrap="square" lIns="91440" tIns="45720" rIns="91440" bIns="45720" numCol="1" spcCol="0" rtlCol="0" fromWordArt="0" anchor="t" anchorCtr="0" forceAA="0" compatLnSpc="1">
+            <a:prstTxWarp prst="textNoShape">
+              <a:avLst/>
+            </a:prstTxWarp>
+            <a:spAutoFit/>
+          </a:bodyPr>
+          <a:lstStyle/>
+          <a:p>
+            <a:r>
+              <a:rPr lang="it-IT" sz="2800" dirty="0">
+                <a:solidFill>
+                  <a:schemeClr val="bg1"/>
+                </a:solidFill>
+              </a:rPr>
+              <a:t>  </a:t>
+            </a:r>
+            <a:r>
+              <a:rPr lang="it-IT" sz="2800" dirty="0" err="1">
+                <a:solidFill>
+                  <a:schemeClr val="bg1"/>
+                </a:solidFill>
+              </a:rPr>
+              <a:t>Dealing</a:t>
+            </a:r>
+            <a:r>
+              <a:rPr lang="it-IT" sz="2800" dirty="0">
+                <a:solidFill>
+                  <a:schemeClr val="bg1"/>
+                </a:solidFill>
+              </a:rPr>
+              <a:t> with the </a:t>
+            </a:r>
+            <a:r>
+              <a:rPr lang="it-IT" sz="2800" dirty="0" err="1">
+                <a:solidFill>
+                  <a:schemeClr val="bg1"/>
+                </a:solidFill>
+              </a:rPr>
+              <a:t>problem</a:t>
+            </a:r>
+            <a:endParaRPr lang="it-IT" sz="2800" dirty="0">
+              <a:solidFill>
+                <a:schemeClr val="bg1"/>
+              </a:solidFill>
+            </a:endParaRPr>
+          </a:p>
+        </p:txBody>
+      </p:sp>
+      <p:pic>
+        <p:nvPicPr>
+          <p:cNvPr id="6" name="Immagine 6">
+            <a:extLst>
+              <a:ext uri="{FF2B5EF4-FFF2-40B4-BE49-F238E27FC236}">
+                <a16:creationId xmlns:a16="http://schemas.microsoft.com/office/drawing/2014/main" id="{1998F504-94AD-451B-A737-E64BA21CF2BA}"/>
+              </a:ext>
+            </a:extLst>
+          </p:cNvPr>
+          <p:cNvPicPr>
+            <a:picLocks noChangeAspect="1"/>
+          </p:cNvPicPr>
+          <p:nvPr/>
+        </p:nvPicPr>
+        <p:blipFill>
+          <a:blip r:embed="rId4"/>
+          <a:stretch>
+            <a:fillRect/>
+          </a:stretch>
+        </p:blipFill>
+        <p:spPr>
+          <a:xfrm>
+            <a:off x="177041" y="3572220"/>
+            <a:ext cx="9170289" cy="1272004"/>
+          </a:xfrm>
+          <a:prstGeom prst="rect">
+            <a:avLst/>
+          </a:prstGeom>
+        </p:spPr>
+      </p:pic>
+    </p:spTree>
+    <p:extLst>
+      <p:ext uri="{BB962C8B-B14F-4D97-AF65-F5344CB8AC3E}">
+        <p14:creationId xmlns:p14="http://schemas.microsoft.com/office/powerpoint/2010/main" val="1283940149"/>
       </p:ext>
     </p:extLst>
   </p:cSld>
@@ -9139,8 +9261,8 @@
         </p:nvSpPr>
         <p:spPr>
           <a:xfrm>
-            <a:off x="302540" y="1964900"/>
-            <a:ext cx="8926705" cy="1200329"/>
+            <a:off x="365099" y="1735291"/>
+            <a:ext cx="8697187" cy="3754874"/>
           </a:xfrm>
           <a:prstGeom prst="rect">
             <a:avLst/>
@@ -9157,27 +9279,132 @@
           <a:lstStyle/>
           <a:p>
             <a:r>
-              <a:rPr lang="en-US" dirty="0">
+              <a:rPr lang="en-US" sz="2000" dirty="0">
                 <a:ea typeface="+mn-lt"/>
                 <a:cs typeface="+mn-lt"/>
               </a:rPr>
-              <a:t>We noticed that the WREADY signal is asserted  by the slave well after the </a:t>
-            </a:r>
-            <a:r>
-              <a:rPr lang="en-US" dirty="0" err="1">
+              <a:t>Arm® Cortex®-M3 </a:t>
+            </a:r>
+            <a:r>
+              <a:rPr lang="en-US" sz="2000" dirty="0" err="1">
                 <a:ea typeface="+mn-lt"/>
                 <a:cs typeface="+mn-lt"/>
               </a:rPr>
-              <a:t>leds</a:t>
-            </a:r>
-            <a:r>
-              <a:rPr lang="en-US" dirty="0">
+              <a:t>DesignStartTM</a:t>
+            </a:r>
+            <a:r>
+              <a:rPr lang="en-US" sz="2000" dirty="0">
                 <a:ea typeface="+mn-lt"/>
                 <a:cs typeface="+mn-lt"/>
               </a:rPr>
-              <a:t> are stabilized on their steady state values, thus preventing the master from trying to perform any other transfer until the glitch has ended. </a:t>
-            </a:r>
-            <a:endParaRPr lang="it-IT" dirty="0"/>
+              <a:t> FPGA-Xilinx edition:</a:t>
+            </a:r>
+            <a:endParaRPr lang="it-IT" sz="2000">
+              <a:cs typeface="Calibri"/>
+            </a:endParaRPr>
+          </a:p>
+          <a:p>
+            <a:r>
+              <a:rPr lang="en-US" sz="2000" dirty="0">
+                <a:ea typeface="+mn-lt"/>
+                <a:cs typeface="+mn-lt"/>
+                <a:hlinkClick r:id="rId4"/>
+              </a:rPr>
+              <a:t>https://developer.arm.com/documentation/101483/0000/</a:t>
+            </a:r>
+            <a:endParaRPr lang="en-US" sz="2000" dirty="0">
+              <a:cs typeface="Calibri"/>
+            </a:endParaRPr>
+          </a:p>
+          <a:p>
+            <a:endParaRPr lang="en-US" sz="2000" dirty="0">
+              <a:cs typeface="Calibri"/>
+            </a:endParaRPr>
+          </a:p>
+          <a:p>
+            <a:r>
+              <a:rPr lang="en-US" sz="2000" dirty="0">
+                <a:ea typeface="+mn-lt"/>
+                <a:cs typeface="+mn-lt"/>
+              </a:rPr>
+              <a:t>ARM® Cortex®-M3 Processor Technical Reference Manual</a:t>
+            </a:r>
+            <a:endParaRPr lang="en-US" sz="2000" dirty="0">
+              <a:cs typeface="Calibri"/>
+            </a:endParaRPr>
+          </a:p>
+          <a:p>
+            <a:r>
+              <a:rPr lang="en-US" sz="2000" dirty="0">
+                <a:ea typeface="+mn-lt"/>
+                <a:cs typeface="+mn-lt"/>
+                <a:hlinkClick r:id="rId5"/>
+              </a:rPr>
+              <a:t>https://developer.arm.com/documentation/ddi0337/e</a:t>
+            </a:r>
+            <a:endParaRPr lang="en-US" sz="2000" dirty="0">
+              <a:cs typeface="Calibri"/>
+            </a:endParaRPr>
+          </a:p>
+          <a:p>
+            <a:endParaRPr lang="en-US" sz="2000" dirty="0">
+              <a:cs typeface="Calibri"/>
+            </a:endParaRPr>
+          </a:p>
+          <a:p>
+            <a:r>
+              <a:rPr lang="en-US" sz="2000" dirty="0">
+                <a:ea typeface="+mn-lt"/>
+                <a:cs typeface="+mn-lt"/>
+              </a:rPr>
+              <a:t>Arm Cortex-M3 Datasheet</a:t>
+            </a:r>
+            <a:endParaRPr lang="en-US" sz="2000" dirty="0">
+              <a:cs typeface="Calibri"/>
+            </a:endParaRPr>
+          </a:p>
+          <a:p>
+            <a:r>
+              <a:rPr lang="en-US" sz="2000" dirty="0">
+                <a:ea typeface="+mn-lt"/>
+                <a:cs typeface="+mn-lt"/>
+                <a:hlinkClick r:id="rId6"/>
+              </a:rPr>
+              <a:t>https://developer.arm.com/ip-products/processors/cortex-m/cortex-m3</a:t>
+            </a:r>
+            <a:endParaRPr lang="en-US" sz="2000" dirty="0">
+              <a:cs typeface="Calibri"/>
+            </a:endParaRPr>
+          </a:p>
+          <a:p>
+            <a:endParaRPr lang="en-US" sz="2000" dirty="0">
+              <a:cs typeface="Calibri"/>
+            </a:endParaRPr>
+          </a:p>
+          <a:p>
+            <a:r>
+              <a:rPr lang="en-US" sz="2000" dirty="0">
+                <a:ea typeface="+mn-lt"/>
+                <a:cs typeface="+mn-lt"/>
+              </a:rPr>
+              <a:t>For Keil's Disassembling feature:</a:t>
+            </a:r>
+            <a:endParaRPr lang="en-US" sz="2000" dirty="0">
+              <a:cs typeface="Calibri"/>
+            </a:endParaRPr>
+          </a:p>
+          <a:p>
+            <a:r>
+              <a:rPr lang="en-US" sz="2000">
+                <a:ea typeface="+mn-lt"/>
+                <a:cs typeface="+mn-lt"/>
+                <a:hlinkClick r:id="rId7"/>
+              </a:rPr>
+              <a:t>https://developer.arm.com/documentation/ka003997/latest</a:t>
+            </a:r>
+            <a:endParaRPr lang="en-US" sz="2000" dirty="0">
+              <a:cs typeface="Calibri"/>
+            </a:endParaRPr>
           </a:p>
           <a:p>
             <a:endParaRPr lang="it-IT">
@@ -9270,66 +9497,15 @@
                   <a:schemeClr val="bg1"/>
                 </a:solidFill>
               </a:rPr>
-              <a:t>Dealing</a:t>
-            </a:r>
-            <a:r>
-              <a:rPr lang="it-IT" sz="2800" dirty="0">
-                <a:solidFill>
-                  <a:schemeClr val="bg1"/>
-                </a:solidFill>
-              </a:rPr>
-              <a:t> with the </a:t>
-            </a:r>
-            <a:r>
-              <a:rPr lang="it-IT" sz="2800" dirty="0" err="1">
-                <a:solidFill>
-                  <a:schemeClr val="bg1"/>
-                </a:solidFill>
-              </a:rPr>
-              <a:t>problem</a:t>
-            </a:r>
-            <a:endParaRPr lang="it-IT" sz="2800" dirty="0">
-              <a:solidFill>
-                <a:schemeClr val="bg1"/>
-              </a:solidFill>
-            </a:endParaRPr>
-          </a:p>
-        </p:txBody>
-      </p:sp>
-      <p:pic>
-        <p:nvPicPr>
-          <p:cNvPr id="6" name="Immagine 6">
-            <a:extLst>
-              <a:ext uri="{FF2B5EF4-FFF2-40B4-BE49-F238E27FC236}">
-                <a16:creationId xmlns:a16="http://schemas.microsoft.com/office/drawing/2014/main" id="{1998F504-94AD-451B-A737-E64BA21CF2BA}"/>
-              </a:ext>
-            </a:extLst>
-          </p:cNvPr>
-          <p:cNvPicPr>
-            <a:picLocks noChangeAspect="1"/>
-          </p:cNvPicPr>
-          <p:nvPr/>
-        </p:nvPicPr>
-        <p:blipFill>
-          <a:blip r:embed="rId4"/>
-          <a:stretch>
-            <a:fillRect/>
-          </a:stretch>
-        </p:blipFill>
-        <p:spPr>
-          <a:xfrm>
-            <a:off x="177041" y="3572220"/>
-            <a:ext cx="9170289" cy="1272004"/>
-          </a:xfrm>
-          <a:prstGeom prst="rect">
-            <a:avLst/>
-          </a:prstGeom>
-        </p:spPr>
-      </p:pic>
+              <a:t>References</a:t>
+            </a:r>
+          </a:p>
+        </p:txBody>
+      </p:sp>
     </p:spTree>
     <p:extLst>
       <p:ext uri="{BB962C8B-B14F-4D97-AF65-F5344CB8AC3E}">
-        <p14:creationId xmlns:p14="http://schemas.microsoft.com/office/powerpoint/2010/main" val="1283940149"/>
+        <p14:creationId xmlns:p14="http://schemas.microsoft.com/office/powerpoint/2010/main" val="2786765232"/>
       </p:ext>
     </p:extLst>
   </p:cSld>
@@ -9364,14 +9540,14 @@
         </p:nvSpPr>
         <p:spPr>
           <a:xfrm>
-            <a:off x="0" y="507"/>
+            <a:off x="1" y="0"/>
             <a:ext cx="9524999" cy="7143750"/>
           </a:xfrm>
           <a:prstGeom prst="rect">
             <a:avLst/>
           </a:prstGeom>
           <a:blipFill>
-            <a:blip r:embed="rId2" cstate="print"/>
+            <a:blip r:embed="rId3" cstate="print"/>
             <a:stretch>
               <a:fillRect/>
             </a:stretch>
@@ -9385,7 +9561,319 @@
           </a:p>
         </p:txBody>
       </p:sp>
+      <p:sp>
+        <p:nvSpPr>
+          <p:cNvPr id="3" name="CasellaDiTesto 2">
+            <a:extLst>
+              <a:ext uri="{FF2B5EF4-FFF2-40B4-BE49-F238E27FC236}">
+                <a16:creationId xmlns:a16="http://schemas.microsoft.com/office/drawing/2014/main" id="{658DADC0-8842-45C0-93ED-698917C49B55}"/>
+              </a:ext>
+            </a:extLst>
+          </p:cNvPr>
+          <p:cNvSpPr txBox="1"/>
+          <p:nvPr/>
+        </p:nvSpPr>
+        <p:spPr>
+          <a:xfrm>
+            <a:off x="365759" y="1472006"/>
+            <a:ext cx="5372223" cy="369332"/>
+          </a:xfrm>
+          <a:prstGeom prst="rect">
+            <a:avLst/>
+          </a:prstGeom>
+          <a:noFill/>
+        </p:spPr>
+        <p:txBody>
+          <a:bodyPr rot="0" spcFirstLastPara="0" vertOverflow="overflow" horzOverflow="overflow" vert="horz" wrap="square" lIns="91440" tIns="45720" rIns="91440" bIns="45720" numCol="1" spcCol="0" rtlCol="0" fromWordArt="0" anchor="t" anchorCtr="0" forceAA="0" compatLnSpc="1">
+            <a:prstTxWarp prst="textNoShape">
+              <a:avLst/>
+            </a:prstTxWarp>
+            <a:spAutoFit/>
+          </a:bodyPr>
+          <a:lstStyle/>
+          <a:p>
+            <a:endParaRPr lang="it-IT">
+              <a:ea typeface="+mn-lt"/>
+              <a:cs typeface="+mn-lt"/>
+            </a:endParaRPr>
+          </a:p>
+        </p:txBody>
+      </p:sp>
+      <p:sp>
+        <p:nvSpPr>
+          <p:cNvPr id="4" name="CasellaDiTesto 3">
+            <a:extLst>
+              <a:ext uri="{FF2B5EF4-FFF2-40B4-BE49-F238E27FC236}">
+                <a16:creationId xmlns:a16="http://schemas.microsoft.com/office/drawing/2014/main" id="{A27E4EB7-FFD3-42C3-9E4C-1AC54ABB5EBE}"/>
+              </a:ext>
+            </a:extLst>
+          </p:cNvPr>
+          <p:cNvSpPr txBox="1"/>
+          <p:nvPr/>
+        </p:nvSpPr>
+        <p:spPr>
+          <a:xfrm>
+            <a:off x="5796652" y="2199488"/>
+            <a:ext cx="3264831" cy="369332"/>
+          </a:xfrm>
+          <a:prstGeom prst="rect">
+            <a:avLst/>
+          </a:prstGeom>
+          <a:noFill/>
+        </p:spPr>
+        <p:txBody>
+          <a:bodyPr rot="0" spcFirstLastPara="0" vertOverflow="overflow" horzOverflow="overflow" vert="horz" wrap="square" lIns="91440" tIns="45720" rIns="91440" bIns="45720" numCol="1" spcCol="0" rtlCol="0" fromWordArt="0" anchor="t" anchorCtr="0" forceAA="0" compatLnSpc="1">
+            <a:prstTxWarp prst="textNoShape">
+              <a:avLst/>
+            </a:prstTxWarp>
+            <a:spAutoFit/>
+          </a:bodyPr>
+          <a:lstStyle/>
+          <a:p>
+            <a:pPr algn="l"/>
+            <a:endParaRPr lang="it-IT">
+              <a:cs typeface="Calibri"/>
+            </a:endParaRPr>
+          </a:p>
+        </p:txBody>
+      </p:sp>
+      <p:sp>
+        <p:nvSpPr>
+          <p:cNvPr id="5" name="CasellaDiTesto 4">
+            <a:extLst>
+              <a:ext uri="{FF2B5EF4-FFF2-40B4-BE49-F238E27FC236}">
+                <a16:creationId xmlns:a16="http://schemas.microsoft.com/office/drawing/2014/main" id="{25360405-5268-4B3C-9019-B64CEB170B54}"/>
+              </a:ext>
+            </a:extLst>
+          </p:cNvPr>
+          <p:cNvSpPr txBox="1"/>
+          <p:nvPr/>
+        </p:nvSpPr>
+        <p:spPr>
+          <a:xfrm>
+            <a:off x="417746" y="1785498"/>
+            <a:ext cx="8573977" cy="646331"/>
+          </a:xfrm>
+          <a:prstGeom prst="rect">
+            <a:avLst/>
+          </a:prstGeom>
+          <a:noFill/>
+        </p:spPr>
+        <p:txBody>
+          <a:bodyPr rot="0" spcFirstLastPara="0" vertOverflow="overflow" horzOverflow="overflow" vert="horz" wrap="square" lIns="91440" tIns="45720" rIns="91440" bIns="45720" numCol="1" spcCol="0" rtlCol="0" fromWordArt="0" anchor="t" anchorCtr="0" forceAA="0" compatLnSpc="1">
+            <a:prstTxWarp prst="textNoShape">
+              <a:avLst/>
+            </a:prstTxWarp>
+            <a:spAutoFit/>
+          </a:bodyPr>
+          <a:lstStyle/>
+          <a:p>
+            <a:r>
+              <a:rPr lang="it-IT" err="1">
+                <a:cs typeface="Calibri"/>
+              </a:rPr>
+              <a:t>We</a:t>
+            </a:r>
+            <a:r>
+              <a:rPr lang="it-IT">
+                <a:cs typeface="Calibri"/>
+              </a:rPr>
+              <a:t> </a:t>
+            </a:r>
+            <a:r>
+              <a:rPr lang="it-IT" err="1">
+                <a:cs typeface="Calibri"/>
+              </a:rPr>
+              <a:t>wanted</a:t>
+            </a:r>
+            <a:r>
+              <a:rPr lang="it-IT">
+                <a:cs typeface="Calibri"/>
+              </a:rPr>
+              <a:t> to </a:t>
+            </a:r>
+            <a:r>
+              <a:rPr lang="it-IT" err="1">
+                <a:cs typeface="Calibri"/>
+              </a:rPr>
+              <a:t>have</a:t>
+            </a:r>
+            <a:r>
+              <a:rPr lang="it-IT">
+                <a:cs typeface="Calibri"/>
+              </a:rPr>
+              <a:t> a </a:t>
+            </a:r>
+            <a:r>
+              <a:rPr lang="it-IT" err="1">
+                <a:cs typeface="Calibri"/>
+              </a:rPr>
+              <a:t>closer</a:t>
+            </a:r>
+            <a:r>
+              <a:rPr lang="it-IT">
+                <a:cs typeface="Calibri"/>
+              </a:rPr>
+              <a:t> look on </a:t>
+            </a:r>
+            <a:r>
+              <a:rPr lang="it-IT" err="1">
+                <a:cs typeface="Calibri"/>
+              </a:rPr>
+              <a:t>when</a:t>
+            </a:r>
+            <a:r>
+              <a:rPr lang="it-IT">
+                <a:cs typeface="Calibri"/>
+              </a:rPr>
+              <a:t> and </a:t>
+            </a:r>
+            <a:r>
+              <a:rPr lang="it-IT" err="1">
+                <a:cs typeface="Calibri"/>
+              </a:rPr>
+              <a:t>how</a:t>
+            </a:r>
+            <a:r>
+              <a:rPr lang="it-IT">
+                <a:cs typeface="Calibri"/>
+              </a:rPr>
+              <a:t> the </a:t>
+            </a:r>
+            <a:r>
+              <a:rPr lang="it-IT" err="1">
+                <a:cs typeface="Calibri"/>
+              </a:rPr>
+              <a:t>instructions</a:t>
+            </a:r>
+            <a:r>
+              <a:rPr lang="it-IT">
+                <a:cs typeface="Calibri"/>
+              </a:rPr>
+              <a:t> are </a:t>
+            </a:r>
+            <a:r>
+              <a:rPr lang="it-IT" err="1">
+                <a:cs typeface="Calibri"/>
+              </a:rPr>
+              <a:t>executed</a:t>
+            </a:r>
+            <a:r>
+              <a:rPr lang="it-IT">
+                <a:cs typeface="Calibri"/>
+              </a:rPr>
+              <a:t> by the processor.</a:t>
+            </a:r>
+          </a:p>
+        </p:txBody>
+      </p:sp>
+      <p:pic>
+        <p:nvPicPr>
+          <p:cNvPr id="7" name="Immagine 6">
+            <a:extLst>
+              <a:ext uri="{FF2B5EF4-FFF2-40B4-BE49-F238E27FC236}">
+                <a16:creationId xmlns:a16="http://schemas.microsoft.com/office/drawing/2014/main" id="{950CCFC6-E4CD-48F9-B846-D08BA61D4664}"/>
+              </a:ext>
+            </a:extLst>
+          </p:cNvPr>
+          <p:cNvPicPr>
+            <a:picLocks noChangeAspect="1"/>
+          </p:cNvPicPr>
+          <p:nvPr/>
+        </p:nvPicPr>
+        <p:blipFill>
+          <a:blip r:embed="rId4"/>
+          <a:stretch>
+            <a:fillRect/>
+          </a:stretch>
+        </p:blipFill>
+        <p:spPr>
+          <a:xfrm>
+            <a:off x="2181975" y="2940446"/>
+            <a:ext cx="4522869" cy="2891124"/>
+          </a:xfrm>
+          <a:prstGeom prst="rect">
+            <a:avLst/>
+          </a:prstGeom>
+        </p:spPr>
+      </p:pic>
+      <p:sp>
+        <p:nvSpPr>
+          <p:cNvPr id="8" name="CasellaDiTesto 7">
+            <a:extLst>
+              <a:ext uri="{FF2B5EF4-FFF2-40B4-BE49-F238E27FC236}">
+                <a16:creationId xmlns:a16="http://schemas.microsoft.com/office/drawing/2014/main" id="{9B2DD424-46AE-4F41-970B-01BAC653C244}"/>
+              </a:ext>
+            </a:extLst>
+          </p:cNvPr>
+          <p:cNvSpPr txBox="1"/>
+          <p:nvPr/>
+        </p:nvSpPr>
+        <p:spPr>
+          <a:xfrm>
+            <a:off x="52099" y="473318"/>
+            <a:ext cx="9471807" cy="523220"/>
+          </a:xfrm>
+          <a:prstGeom prst="rect">
+            <a:avLst/>
+          </a:prstGeom>
+          <a:noFill/>
+        </p:spPr>
+        <p:txBody>
+          <a:bodyPr wrap="square" lIns="91440" tIns="45720" rIns="91440" bIns="45720" rtlCol="0" anchor="t">
+            <a:spAutoFit/>
+          </a:bodyPr>
+          <a:lstStyle/>
+          <a:p>
+            <a:r>
+              <a:rPr lang="it-IT" sz="2800">
+                <a:solidFill>
+                  <a:schemeClr val="bg1"/>
+                </a:solidFill>
+              </a:rPr>
+              <a:t>  The idea </a:t>
+            </a:r>
+            <a:r>
+              <a:rPr lang="it-IT" sz="2800" err="1">
+                <a:solidFill>
+                  <a:schemeClr val="bg1"/>
+                </a:solidFill>
+              </a:rPr>
+              <a:t>behind</a:t>
+            </a:r>
+            <a:r>
+              <a:rPr lang="it-IT" sz="2800">
+                <a:solidFill>
+                  <a:schemeClr val="bg1"/>
+                </a:solidFill>
+              </a:rPr>
+              <a:t> </a:t>
+            </a:r>
+            <a:r>
+              <a:rPr lang="it-IT" sz="2800" err="1">
+                <a:solidFill>
+                  <a:schemeClr val="bg1"/>
+                </a:solidFill>
+              </a:rPr>
+              <a:t>our</a:t>
+            </a:r>
+            <a:r>
+              <a:rPr lang="it-IT" sz="2800">
+                <a:solidFill>
+                  <a:schemeClr val="bg1"/>
+                </a:solidFill>
+              </a:rPr>
+              <a:t> work</a:t>
+            </a:r>
+          </a:p>
+        </p:txBody>
+      </p:sp>
     </p:spTree>
+    <p:extLst>
+      <p:ext uri="{BB962C8B-B14F-4D97-AF65-F5344CB8AC3E}">
+        <p14:creationId xmlns:p14="http://schemas.microsoft.com/office/powerpoint/2010/main" val="384209631"/>
+      </p:ext>
+    </p:extLst>
   </p:cSld>
   <p:clrMapOvr>
     <a:masterClrMapping/>
@@ -9453,372 +9941,6 @@
         </p:nvSpPr>
         <p:spPr>
           <a:xfrm>
-            <a:off x="365759" y="1472006"/>
-            <a:ext cx="5372223" cy="369332"/>
-          </a:xfrm>
-          <a:prstGeom prst="rect">
-            <a:avLst/>
-          </a:prstGeom>
-          <a:noFill/>
-        </p:spPr>
-        <p:txBody>
-          <a:bodyPr rot="0" spcFirstLastPara="0" vertOverflow="overflow" horzOverflow="overflow" vert="horz" wrap="square" lIns="91440" tIns="45720" rIns="91440" bIns="45720" numCol="1" spcCol="0" rtlCol="0" fromWordArt="0" anchor="t" anchorCtr="0" forceAA="0" compatLnSpc="1">
-            <a:prstTxWarp prst="textNoShape">
-              <a:avLst/>
-            </a:prstTxWarp>
-            <a:spAutoFit/>
-          </a:bodyPr>
-          <a:lstStyle/>
-          <a:p>
-            <a:endParaRPr lang="it-IT">
-              <a:ea typeface="+mn-lt"/>
-              <a:cs typeface="+mn-lt"/>
-            </a:endParaRPr>
-          </a:p>
-        </p:txBody>
-      </p:sp>
-      <p:sp>
-        <p:nvSpPr>
-          <p:cNvPr id="4" name="CasellaDiTesto 3">
-            <a:extLst>
-              <a:ext uri="{FF2B5EF4-FFF2-40B4-BE49-F238E27FC236}">
-                <a16:creationId xmlns:a16="http://schemas.microsoft.com/office/drawing/2014/main" id="{A27E4EB7-FFD3-42C3-9E4C-1AC54ABB5EBE}"/>
-              </a:ext>
-            </a:extLst>
-          </p:cNvPr>
-          <p:cNvSpPr txBox="1"/>
-          <p:nvPr/>
-        </p:nvSpPr>
-        <p:spPr>
-          <a:xfrm>
-            <a:off x="5796652" y="2199488"/>
-            <a:ext cx="3264831" cy="369332"/>
-          </a:xfrm>
-          <a:prstGeom prst="rect">
-            <a:avLst/>
-          </a:prstGeom>
-          <a:noFill/>
-        </p:spPr>
-        <p:txBody>
-          <a:bodyPr rot="0" spcFirstLastPara="0" vertOverflow="overflow" horzOverflow="overflow" vert="horz" wrap="square" lIns="91440" tIns="45720" rIns="91440" bIns="45720" numCol="1" spcCol="0" rtlCol="0" fromWordArt="0" anchor="t" anchorCtr="0" forceAA="0" compatLnSpc="1">
-            <a:prstTxWarp prst="textNoShape">
-              <a:avLst/>
-            </a:prstTxWarp>
-            <a:spAutoFit/>
-          </a:bodyPr>
-          <a:lstStyle/>
-          <a:p>
-            <a:pPr algn="l"/>
-            <a:endParaRPr lang="it-IT">
-              <a:cs typeface="Calibri"/>
-            </a:endParaRPr>
-          </a:p>
-        </p:txBody>
-      </p:sp>
-      <p:sp>
-        <p:nvSpPr>
-          <p:cNvPr id="5" name="CasellaDiTesto 4">
-            <a:extLst>
-              <a:ext uri="{FF2B5EF4-FFF2-40B4-BE49-F238E27FC236}">
-                <a16:creationId xmlns:a16="http://schemas.microsoft.com/office/drawing/2014/main" id="{25360405-5268-4B3C-9019-B64CEB170B54}"/>
-              </a:ext>
-            </a:extLst>
-          </p:cNvPr>
-          <p:cNvSpPr txBox="1"/>
-          <p:nvPr/>
-        </p:nvSpPr>
-        <p:spPr>
-          <a:xfrm>
-            <a:off x="417746" y="1785498"/>
-            <a:ext cx="8573977" cy="646331"/>
-          </a:xfrm>
-          <a:prstGeom prst="rect">
-            <a:avLst/>
-          </a:prstGeom>
-          <a:noFill/>
-        </p:spPr>
-        <p:txBody>
-          <a:bodyPr rot="0" spcFirstLastPara="0" vertOverflow="overflow" horzOverflow="overflow" vert="horz" wrap="square" lIns="91440" tIns="45720" rIns="91440" bIns="45720" numCol="1" spcCol="0" rtlCol="0" fromWordArt="0" anchor="t" anchorCtr="0" forceAA="0" compatLnSpc="1">
-            <a:prstTxWarp prst="textNoShape">
-              <a:avLst/>
-            </a:prstTxWarp>
-            <a:spAutoFit/>
-          </a:bodyPr>
-          <a:lstStyle/>
-          <a:p>
-            <a:r>
-              <a:rPr lang="it-IT" err="1">
-                <a:cs typeface="Calibri"/>
-              </a:rPr>
-              <a:t>We</a:t>
-            </a:r>
-            <a:r>
-              <a:rPr lang="it-IT">
-                <a:cs typeface="Calibri"/>
-              </a:rPr>
-              <a:t> </a:t>
-            </a:r>
-            <a:r>
-              <a:rPr lang="it-IT" err="1">
-                <a:cs typeface="Calibri"/>
-              </a:rPr>
-              <a:t>wanted</a:t>
-            </a:r>
-            <a:r>
-              <a:rPr lang="it-IT">
-                <a:cs typeface="Calibri"/>
-              </a:rPr>
-              <a:t> to </a:t>
-            </a:r>
-            <a:r>
-              <a:rPr lang="it-IT" err="1">
-                <a:cs typeface="Calibri"/>
-              </a:rPr>
-              <a:t>have</a:t>
-            </a:r>
-            <a:r>
-              <a:rPr lang="it-IT">
-                <a:cs typeface="Calibri"/>
-              </a:rPr>
-              <a:t> a </a:t>
-            </a:r>
-            <a:r>
-              <a:rPr lang="it-IT" err="1">
-                <a:cs typeface="Calibri"/>
-              </a:rPr>
-              <a:t>closer</a:t>
-            </a:r>
-            <a:r>
-              <a:rPr lang="it-IT">
-                <a:cs typeface="Calibri"/>
-              </a:rPr>
-              <a:t> look on </a:t>
-            </a:r>
-            <a:r>
-              <a:rPr lang="it-IT" err="1">
-                <a:cs typeface="Calibri"/>
-              </a:rPr>
-              <a:t>when</a:t>
-            </a:r>
-            <a:r>
-              <a:rPr lang="it-IT">
-                <a:cs typeface="Calibri"/>
-              </a:rPr>
-              <a:t> and </a:t>
-            </a:r>
-            <a:r>
-              <a:rPr lang="it-IT" err="1">
-                <a:cs typeface="Calibri"/>
-              </a:rPr>
-              <a:t>how</a:t>
-            </a:r>
-            <a:r>
-              <a:rPr lang="it-IT">
-                <a:cs typeface="Calibri"/>
-              </a:rPr>
-              <a:t> the </a:t>
-            </a:r>
-            <a:r>
-              <a:rPr lang="it-IT" err="1">
-                <a:cs typeface="Calibri"/>
-              </a:rPr>
-              <a:t>instructions</a:t>
-            </a:r>
-            <a:r>
-              <a:rPr lang="it-IT">
-                <a:cs typeface="Calibri"/>
-              </a:rPr>
-              <a:t> are </a:t>
-            </a:r>
-            <a:r>
-              <a:rPr lang="it-IT" err="1">
-                <a:cs typeface="Calibri"/>
-              </a:rPr>
-              <a:t>executed</a:t>
-            </a:r>
-            <a:r>
-              <a:rPr lang="it-IT">
-                <a:cs typeface="Calibri"/>
-              </a:rPr>
-              <a:t> by the processor.</a:t>
-            </a:r>
-          </a:p>
-        </p:txBody>
-      </p:sp>
-      <p:pic>
-        <p:nvPicPr>
-          <p:cNvPr id="7" name="Immagine 6">
-            <a:extLst>
-              <a:ext uri="{FF2B5EF4-FFF2-40B4-BE49-F238E27FC236}">
-                <a16:creationId xmlns:a16="http://schemas.microsoft.com/office/drawing/2014/main" id="{950CCFC6-E4CD-48F9-B846-D08BA61D4664}"/>
-              </a:ext>
-            </a:extLst>
-          </p:cNvPr>
-          <p:cNvPicPr>
-            <a:picLocks noChangeAspect="1"/>
-          </p:cNvPicPr>
-          <p:nvPr/>
-        </p:nvPicPr>
-        <p:blipFill>
-          <a:blip r:embed="rId4"/>
-          <a:stretch>
-            <a:fillRect/>
-          </a:stretch>
-        </p:blipFill>
-        <p:spPr>
-          <a:xfrm>
-            <a:off x="2181975" y="2940446"/>
-            <a:ext cx="4522869" cy="2891124"/>
-          </a:xfrm>
-          <a:prstGeom prst="rect">
-            <a:avLst/>
-          </a:prstGeom>
-        </p:spPr>
-      </p:pic>
-      <p:sp>
-        <p:nvSpPr>
-          <p:cNvPr id="8" name="CasellaDiTesto 7">
-            <a:extLst>
-              <a:ext uri="{FF2B5EF4-FFF2-40B4-BE49-F238E27FC236}">
-                <a16:creationId xmlns:a16="http://schemas.microsoft.com/office/drawing/2014/main" id="{9B2DD424-46AE-4F41-970B-01BAC653C244}"/>
-              </a:ext>
-            </a:extLst>
-          </p:cNvPr>
-          <p:cNvSpPr txBox="1"/>
-          <p:nvPr/>
-        </p:nvSpPr>
-        <p:spPr>
-          <a:xfrm>
-            <a:off x="52099" y="473318"/>
-            <a:ext cx="9471807" cy="523220"/>
-          </a:xfrm>
-          <a:prstGeom prst="rect">
-            <a:avLst/>
-          </a:prstGeom>
-          <a:noFill/>
-        </p:spPr>
-        <p:txBody>
-          <a:bodyPr wrap="square" lIns="91440" tIns="45720" rIns="91440" bIns="45720" rtlCol="0" anchor="t">
-            <a:spAutoFit/>
-          </a:bodyPr>
-          <a:lstStyle/>
-          <a:p>
-            <a:r>
-              <a:rPr lang="it-IT" sz="2800">
-                <a:solidFill>
-                  <a:schemeClr val="bg1"/>
-                </a:solidFill>
-              </a:rPr>
-              <a:t>  The idea </a:t>
-            </a:r>
-            <a:r>
-              <a:rPr lang="it-IT" sz="2800" err="1">
-                <a:solidFill>
-                  <a:schemeClr val="bg1"/>
-                </a:solidFill>
-              </a:rPr>
-              <a:t>behind</a:t>
-            </a:r>
-            <a:r>
-              <a:rPr lang="it-IT" sz="2800">
-                <a:solidFill>
-                  <a:schemeClr val="bg1"/>
-                </a:solidFill>
-              </a:rPr>
-              <a:t> </a:t>
-            </a:r>
-            <a:r>
-              <a:rPr lang="it-IT" sz="2800" err="1">
-                <a:solidFill>
-                  <a:schemeClr val="bg1"/>
-                </a:solidFill>
-              </a:rPr>
-              <a:t>our</a:t>
-            </a:r>
-            <a:r>
-              <a:rPr lang="it-IT" sz="2800">
-                <a:solidFill>
-                  <a:schemeClr val="bg1"/>
-                </a:solidFill>
-              </a:rPr>
-              <a:t> work</a:t>
-            </a:r>
-          </a:p>
-        </p:txBody>
-      </p:sp>
-    </p:spTree>
-    <p:extLst>
-      <p:ext uri="{BB962C8B-B14F-4D97-AF65-F5344CB8AC3E}">
-        <p14:creationId xmlns:p14="http://schemas.microsoft.com/office/powerpoint/2010/main" val="384209631"/>
-      </p:ext>
-    </p:extLst>
-  </p:cSld>
-  <p:clrMapOvr>
-    <a:masterClrMapping/>
-  </p:clrMapOvr>
-</p:sld>
-</file>
-
-<file path=ppt/slides/slide4.xml><?xml version="1.0" encoding="utf-8"?>
-<p:sld xmlns:a="http://schemas.openxmlformats.org/drawingml/2006/main" xmlns:r="http://schemas.openxmlformats.org/officeDocument/2006/relationships" xmlns:p="http://schemas.openxmlformats.org/presentationml/2006/main" showMasterSp="0">
-  <p:cSld>
-    <p:spTree>
-      <p:nvGrpSpPr>
-        <p:cNvPr id="1" name=""/>
-        <p:cNvGrpSpPr/>
-        <p:nvPr/>
-      </p:nvGrpSpPr>
-      <p:grpSpPr>
-        <a:xfrm>
-          <a:off x="0" y="0"/>
-          <a:ext cx="0" cy="0"/>
-          <a:chOff x="0" y="0"/>
-          <a:chExt cx="0" cy="0"/>
-        </a:xfrm>
-      </p:grpSpPr>
-      <p:sp>
-        <p:nvSpPr>
-          <p:cNvPr id="2" name="object 2"/>
-          <p:cNvSpPr/>
-          <p:nvPr/>
-        </p:nvSpPr>
-        <p:spPr>
-          <a:xfrm>
-            <a:off x="1" y="0"/>
-            <a:ext cx="9524999" cy="7143750"/>
-          </a:xfrm>
-          <a:prstGeom prst="rect">
-            <a:avLst/>
-          </a:prstGeom>
-          <a:blipFill>
-            <a:blip r:embed="rId3" cstate="print"/>
-            <a:stretch>
-              <a:fillRect/>
-            </a:stretch>
-          </a:blipFill>
-        </p:spPr>
-        <p:txBody>
-          <a:bodyPr wrap="square" lIns="0" tIns="0" rIns="0" bIns="0" rtlCol="0"/>
-          <a:lstStyle/>
-          <a:p>
-            <a:endParaRPr/>
-          </a:p>
-        </p:txBody>
-      </p:sp>
-      <p:sp>
-        <p:nvSpPr>
-          <p:cNvPr id="3" name="CasellaDiTesto 2">
-            <a:extLst>
-              <a:ext uri="{FF2B5EF4-FFF2-40B4-BE49-F238E27FC236}">
-                <a16:creationId xmlns:a16="http://schemas.microsoft.com/office/drawing/2014/main" id="{658DADC0-8842-45C0-93ED-698917C49B55}"/>
-              </a:ext>
-            </a:extLst>
-          </p:cNvPr>
-          <p:cNvSpPr txBox="1"/>
-          <p:nvPr/>
-        </p:nvSpPr>
-        <p:spPr>
-          <a:xfrm>
             <a:off x="1945286" y="2982810"/>
             <a:ext cx="5372223" cy="369332"/>
           </a:xfrm>
@@ -10262,7 +10384,7 @@
 </p:sld>
 </file>
 
-<file path=ppt/slides/slide5.xml><?xml version="1.0" encoding="utf-8"?>
+<file path=ppt/slides/slide4.xml><?xml version="1.0" encoding="utf-8"?>
 <p:sld xmlns:a="http://schemas.openxmlformats.org/drawingml/2006/main" xmlns:r="http://schemas.openxmlformats.org/officeDocument/2006/relationships" xmlns:p="http://schemas.openxmlformats.org/presentationml/2006/main" showMasterSp="0">
   <p:cSld>
     <p:spTree>
@@ -10684,586 +10806,7 @@
 </p:sld>
 </file>
 
-<file path=ppt/slides/slide6.xml><?xml version="1.0" encoding="utf-8"?>
-<p:sld xmlns:a="http://schemas.openxmlformats.org/drawingml/2006/main" xmlns:r="http://schemas.openxmlformats.org/officeDocument/2006/relationships" xmlns:p="http://schemas.openxmlformats.org/presentationml/2006/main" showMasterSp="0">
-  <p:cSld>
-    <p:spTree>
-      <p:nvGrpSpPr>
-        <p:cNvPr id="1" name=""/>
-        <p:cNvGrpSpPr/>
-        <p:nvPr/>
-      </p:nvGrpSpPr>
-      <p:grpSpPr>
-        <a:xfrm>
-          <a:off x="0" y="0"/>
-          <a:ext cx="0" cy="0"/>
-          <a:chOff x="0" y="0"/>
-          <a:chExt cx="0" cy="0"/>
-        </a:xfrm>
-      </p:grpSpPr>
-      <p:sp>
-        <p:nvSpPr>
-          <p:cNvPr id="2" name="object 2"/>
-          <p:cNvSpPr/>
-          <p:nvPr/>
-        </p:nvSpPr>
-        <p:spPr>
-          <a:xfrm>
-            <a:off x="0" y="0"/>
-            <a:ext cx="9524999" cy="7143750"/>
-          </a:xfrm>
-          <a:prstGeom prst="rect">
-            <a:avLst/>
-          </a:prstGeom>
-          <a:blipFill>
-            <a:blip r:embed="rId3" cstate="print"/>
-            <a:stretch>
-              <a:fillRect/>
-            </a:stretch>
-          </a:blipFill>
-        </p:spPr>
-        <p:txBody>
-          <a:bodyPr wrap="square" lIns="0" tIns="0" rIns="0" bIns="0" rtlCol="0"/>
-          <a:lstStyle/>
-          <a:p>
-            <a:endParaRPr lang="it-IT" u="sng"/>
-          </a:p>
-        </p:txBody>
-      </p:sp>
-      <p:sp>
-        <p:nvSpPr>
-          <p:cNvPr id="3" name="CasellaDiTesto 2">
-            <a:extLst>
-              <a:ext uri="{FF2B5EF4-FFF2-40B4-BE49-F238E27FC236}">
-                <a16:creationId xmlns:a16="http://schemas.microsoft.com/office/drawing/2014/main" id="{658DADC0-8842-45C0-93ED-698917C49B55}"/>
-              </a:ext>
-            </a:extLst>
-          </p:cNvPr>
-          <p:cNvSpPr txBox="1"/>
-          <p:nvPr/>
-        </p:nvSpPr>
-        <p:spPr>
-          <a:xfrm>
-            <a:off x="657743" y="5497026"/>
-            <a:ext cx="5372223" cy="369332"/>
-          </a:xfrm>
-          <a:prstGeom prst="rect">
-            <a:avLst/>
-          </a:prstGeom>
-          <a:noFill/>
-        </p:spPr>
-        <p:txBody>
-          <a:bodyPr rot="0" spcFirstLastPara="0" vertOverflow="overflow" horzOverflow="overflow" vert="horz" wrap="square" lIns="91440" tIns="45720" rIns="91440" bIns="45720" numCol="1" spcCol="0" rtlCol="0" fromWordArt="0" anchor="t" anchorCtr="0" forceAA="0" compatLnSpc="1">
-            <a:prstTxWarp prst="textNoShape">
-              <a:avLst/>
-            </a:prstTxWarp>
-            <a:spAutoFit/>
-          </a:bodyPr>
-          <a:lstStyle/>
-          <a:p>
-            <a:endParaRPr lang="it-IT">
-              <a:ea typeface="+mn-lt"/>
-              <a:cs typeface="+mn-lt"/>
-            </a:endParaRPr>
-          </a:p>
-        </p:txBody>
-      </p:sp>
-      <p:pic>
-        <p:nvPicPr>
-          <p:cNvPr id="6" name="Immagine 6">
-            <a:extLst>
-              <a:ext uri="{FF2B5EF4-FFF2-40B4-BE49-F238E27FC236}">
-                <a16:creationId xmlns:a16="http://schemas.microsoft.com/office/drawing/2014/main" id="{2AE4A563-C18C-4D19-BCC3-4DFDFF929288}"/>
-              </a:ext>
-            </a:extLst>
-          </p:cNvPr>
-          <p:cNvPicPr>
-            <a:picLocks noChangeAspect="1"/>
-          </p:cNvPicPr>
-          <p:nvPr/>
-        </p:nvPicPr>
-        <p:blipFill>
-          <a:blip r:embed="rId4"/>
-          <a:stretch>
-            <a:fillRect/>
-          </a:stretch>
-        </p:blipFill>
-        <p:spPr>
-          <a:xfrm>
-            <a:off x="394673" y="1409441"/>
-            <a:ext cx="5518412" cy="3513834"/>
-          </a:xfrm>
-          <a:prstGeom prst="rect">
-            <a:avLst/>
-          </a:prstGeom>
-        </p:spPr>
-      </p:pic>
-      <p:sp>
-        <p:nvSpPr>
-          <p:cNvPr id="7" name="CasellaDiTesto 6">
-            <a:extLst>
-              <a:ext uri="{FF2B5EF4-FFF2-40B4-BE49-F238E27FC236}">
-                <a16:creationId xmlns:a16="http://schemas.microsoft.com/office/drawing/2014/main" id="{BAA2CF90-356C-413E-8B41-094C994DED90}"/>
-              </a:ext>
-            </a:extLst>
-          </p:cNvPr>
-          <p:cNvSpPr txBox="1"/>
-          <p:nvPr/>
-        </p:nvSpPr>
-        <p:spPr>
-          <a:xfrm>
-            <a:off x="0" y="314914"/>
-            <a:ext cx="9484549" cy="523220"/>
-          </a:xfrm>
-          <a:prstGeom prst="rect">
-            <a:avLst/>
-          </a:prstGeom>
-          <a:noFill/>
-        </p:spPr>
-        <p:txBody>
-          <a:bodyPr wrap="square" lIns="91440" tIns="45720" rIns="91440" bIns="45720" rtlCol="0" anchor="t">
-            <a:spAutoFit/>
-          </a:bodyPr>
-          <a:lstStyle/>
-          <a:p>
-            <a:r>
-              <a:rPr lang="it-IT" sz="2800">
-                <a:solidFill>
-                  <a:schemeClr val="bg1"/>
-                </a:solidFill>
-              </a:rPr>
-              <a:t>  </a:t>
-            </a:r>
-            <a:r>
-              <a:rPr lang="it-IT" sz="2800" err="1">
-                <a:solidFill>
-                  <a:schemeClr val="bg1"/>
-                </a:solidFill>
-              </a:rPr>
-              <a:t>Our</a:t>
-            </a:r>
-            <a:r>
-              <a:rPr lang="it-IT" sz="2800">
-                <a:solidFill>
-                  <a:schemeClr val="bg1"/>
-                </a:solidFill>
-              </a:rPr>
-              <a:t> </a:t>
-            </a:r>
-            <a:r>
-              <a:rPr lang="it-IT" sz="2800" err="1">
-                <a:solidFill>
-                  <a:schemeClr val="bg1"/>
-                </a:solidFill>
-              </a:rPr>
-              <a:t>memory</a:t>
-            </a:r>
-            <a:r>
-              <a:rPr lang="it-IT" sz="2800">
-                <a:solidFill>
-                  <a:schemeClr val="bg1"/>
-                </a:solidFill>
-              </a:rPr>
-              <a:t> </a:t>
-            </a:r>
-            <a:r>
-              <a:rPr lang="it-IT" sz="2800" err="1">
-                <a:solidFill>
-                  <a:schemeClr val="bg1"/>
-                </a:solidFill>
-              </a:rPr>
-              <a:t>as</a:t>
-            </a:r>
-            <a:r>
-              <a:rPr lang="it-IT" sz="2800">
-                <a:solidFill>
-                  <a:schemeClr val="bg1"/>
-                </a:solidFill>
-              </a:rPr>
-              <a:t> </a:t>
-            </a:r>
-            <a:r>
-              <a:rPr lang="it-IT" sz="2800" err="1">
-                <a:solidFill>
-                  <a:schemeClr val="bg1"/>
-                </a:solidFill>
-              </a:rPr>
-              <a:t>instruction</a:t>
-            </a:r>
-            <a:r>
-              <a:rPr lang="it-IT" sz="2800">
-                <a:solidFill>
-                  <a:schemeClr val="bg1"/>
-                </a:solidFill>
-              </a:rPr>
-              <a:t> </a:t>
-            </a:r>
-            <a:r>
-              <a:rPr lang="it-IT" sz="2800" err="1">
-                <a:solidFill>
-                  <a:schemeClr val="bg1"/>
-                </a:solidFill>
-              </a:rPr>
-              <a:t>memory</a:t>
-            </a:r>
-            <a:endParaRPr lang="it-IT" sz="2800">
-              <a:solidFill>
-                <a:schemeClr val="bg1"/>
-              </a:solidFill>
-            </a:endParaRPr>
-          </a:p>
-        </p:txBody>
-      </p:sp>
-      <p:pic>
-        <p:nvPicPr>
-          <p:cNvPr id="9" name="Immagine 9">
-            <a:extLst>
-              <a:ext uri="{FF2B5EF4-FFF2-40B4-BE49-F238E27FC236}">
-                <a16:creationId xmlns:a16="http://schemas.microsoft.com/office/drawing/2014/main" id="{FD5C232C-9057-4F05-8651-2FB0A20BD809}"/>
-              </a:ext>
-            </a:extLst>
-          </p:cNvPr>
-          <p:cNvPicPr>
-            <a:picLocks noChangeAspect="1"/>
-          </p:cNvPicPr>
-          <p:nvPr/>
-        </p:nvPicPr>
-        <p:blipFill>
-          <a:blip r:embed="rId5"/>
-          <a:stretch>
-            <a:fillRect/>
-          </a:stretch>
-        </p:blipFill>
-        <p:spPr>
-          <a:xfrm>
-            <a:off x="320463" y="5398914"/>
-            <a:ext cx="8669069" cy="192826"/>
-          </a:xfrm>
-          <a:prstGeom prst="rect">
-            <a:avLst/>
-          </a:prstGeom>
-        </p:spPr>
-      </p:pic>
-      <p:pic>
-        <p:nvPicPr>
-          <p:cNvPr id="5" name="Immagine 7">
-            <a:extLst>
-              <a:ext uri="{FF2B5EF4-FFF2-40B4-BE49-F238E27FC236}">
-                <a16:creationId xmlns:a16="http://schemas.microsoft.com/office/drawing/2014/main" id="{5B716998-53E4-425C-B9F1-0ADCBDB3EA0F}"/>
-              </a:ext>
-            </a:extLst>
-          </p:cNvPr>
-          <p:cNvPicPr>
-            <a:picLocks noChangeAspect="1"/>
-          </p:cNvPicPr>
-          <p:nvPr/>
-        </p:nvPicPr>
-        <p:blipFill>
-          <a:blip r:embed="rId6"/>
-          <a:stretch>
-            <a:fillRect/>
-          </a:stretch>
-        </p:blipFill>
-        <p:spPr>
-          <a:xfrm>
-            <a:off x="355501" y="4953258"/>
-            <a:ext cx="8672064" cy="310709"/>
-          </a:xfrm>
-          <a:prstGeom prst="rect">
-            <a:avLst/>
-          </a:prstGeom>
-        </p:spPr>
-      </p:pic>
-      <p:sp>
-        <p:nvSpPr>
-          <p:cNvPr id="13" name="CasellaDiTesto 12">
-            <a:extLst>
-              <a:ext uri="{FF2B5EF4-FFF2-40B4-BE49-F238E27FC236}">
-                <a16:creationId xmlns:a16="http://schemas.microsoft.com/office/drawing/2014/main" id="{7E19A174-8B1C-4868-BD60-D1A598BEBEA4}"/>
-              </a:ext>
-            </a:extLst>
-          </p:cNvPr>
-          <p:cNvSpPr txBox="1"/>
-          <p:nvPr/>
-        </p:nvSpPr>
-        <p:spPr>
-          <a:xfrm>
-            <a:off x="6112486" y="2254533"/>
-            <a:ext cx="3024880" cy="1477328"/>
-          </a:xfrm>
-          <a:prstGeom prst="rect">
-            <a:avLst/>
-          </a:prstGeom>
-          <a:noFill/>
-        </p:spPr>
-        <p:txBody>
-          <a:bodyPr rot="0" spcFirstLastPara="0" vertOverflow="overflow" horzOverflow="overflow" vert="horz" wrap="square" lIns="91440" tIns="45720" rIns="91440" bIns="45720" numCol="1" spcCol="0" rtlCol="0" fromWordArt="0" anchor="t" anchorCtr="0" forceAA="0" compatLnSpc="1">
-            <a:prstTxWarp prst="textNoShape">
-              <a:avLst/>
-            </a:prstTxWarp>
-            <a:spAutoFit/>
-          </a:bodyPr>
-          <a:lstStyle/>
-          <a:p>
-            <a:r>
-              <a:rPr lang="it-IT" err="1">
-                <a:cs typeface="Calibri"/>
-              </a:rPr>
-              <a:t>We</a:t>
-            </a:r>
-            <a:r>
-              <a:rPr lang="it-IT">
-                <a:cs typeface="Calibri"/>
-              </a:rPr>
-              <a:t> </a:t>
-            </a:r>
-            <a:r>
-              <a:rPr lang="it-IT" err="1">
-                <a:cs typeface="Calibri"/>
-              </a:rPr>
-              <a:t>built</a:t>
-            </a:r>
-            <a:r>
-              <a:rPr lang="it-IT">
-                <a:cs typeface="Calibri"/>
-              </a:rPr>
-              <a:t> a </a:t>
-            </a:r>
-            <a:r>
-              <a:rPr lang="it-IT" err="1">
-                <a:cs typeface="Calibri"/>
-              </a:rPr>
-              <a:t>Verilog</a:t>
-            </a:r>
-            <a:r>
-              <a:rPr lang="it-IT">
-                <a:cs typeface="Calibri"/>
-              </a:rPr>
-              <a:t> </a:t>
-            </a:r>
-            <a:r>
-              <a:rPr lang="it-IT" err="1">
-                <a:cs typeface="Calibri"/>
-              </a:rPr>
-              <a:t>block</a:t>
-            </a:r>
-            <a:r>
-              <a:rPr lang="it-IT">
-                <a:cs typeface="Calibri"/>
-              </a:rPr>
-              <a:t> </a:t>
-            </a:r>
-            <a:r>
-              <a:rPr lang="it-IT" err="1">
-                <a:cs typeface="Calibri"/>
-              </a:rPr>
-              <a:t>where</a:t>
-            </a:r>
-            <a:r>
-              <a:rPr lang="it-IT">
-                <a:cs typeface="Calibri"/>
-              </a:rPr>
-              <a:t> </a:t>
-            </a:r>
-            <a:r>
-              <a:rPr lang="it-IT" err="1">
-                <a:cs typeface="Calibri"/>
-              </a:rPr>
-              <a:t>we</a:t>
-            </a:r>
-            <a:r>
-              <a:rPr lang="it-IT">
-                <a:cs typeface="Calibri"/>
-              </a:rPr>
-              <a:t> </a:t>
-            </a:r>
-            <a:r>
-              <a:rPr lang="it-IT" err="1">
-                <a:cs typeface="Calibri"/>
-              </a:rPr>
-              <a:t>instantiated</a:t>
-            </a:r>
-            <a:r>
-              <a:rPr lang="it-IT">
-                <a:cs typeface="Calibri"/>
-              </a:rPr>
-              <a:t> a </a:t>
-            </a:r>
-            <a:r>
-              <a:rPr lang="it-IT" b="1">
-                <a:cs typeface="Calibri"/>
-              </a:rPr>
-              <a:t>reg </a:t>
-            </a:r>
-            <a:r>
-              <a:rPr lang="it-IT">
-                <a:cs typeface="Calibri"/>
-              </a:rPr>
-              <a:t>array to </a:t>
-            </a:r>
-            <a:r>
-              <a:rPr lang="it-IT" err="1">
-                <a:cs typeface="Calibri"/>
-              </a:rPr>
-              <a:t>implement</a:t>
-            </a:r>
-            <a:r>
-              <a:rPr lang="it-IT">
-                <a:cs typeface="Calibri"/>
-              </a:rPr>
-              <a:t> the </a:t>
-            </a:r>
-            <a:r>
-              <a:rPr lang="it-IT" err="1">
-                <a:cs typeface="Calibri"/>
-              </a:rPr>
-              <a:t>memory</a:t>
-            </a:r>
-            <a:r>
-              <a:rPr lang="it-IT">
-                <a:cs typeface="Calibri"/>
-              </a:rPr>
-              <a:t> </a:t>
-            </a:r>
-            <a:r>
-              <a:rPr lang="it-IT" err="1">
-                <a:cs typeface="Calibri"/>
-              </a:rPr>
-              <a:t>itself</a:t>
-            </a:r>
-            <a:r>
-              <a:rPr lang="it-IT">
-                <a:cs typeface="Calibri"/>
-              </a:rPr>
-              <a:t>.</a:t>
-            </a:r>
-          </a:p>
-          <a:p>
-            <a:r>
-              <a:rPr lang="it-IT" err="1">
-                <a:cs typeface="Calibri"/>
-              </a:rPr>
-              <a:t>We</a:t>
-            </a:r>
-            <a:r>
-              <a:rPr lang="it-IT">
-                <a:cs typeface="Calibri"/>
-              </a:rPr>
-              <a:t> </a:t>
-            </a:r>
-            <a:r>
-              <a:rPr lang="it-IT" err="1">
-                <a:cs typeface="Calibri"/>
-              </a:rPr>
-              <a:t>loaded</a:t>
-            </a:r>
-            <a:r>
-              <a:rPr lang="it-IT">
-                <a:cs typeface="Calibri"/>
-              </a:rPr>
-              <a:t> </a:t>
-            </a:r>
-            <a:r>
-              <a:rPr lang="it-IT" err="1">
-                <a:cs typeface="Calibri"/>
-              </a:rPr>
-              <a:t>it</a:t>
-            </a:r>
-            <a:r>
-              <a:rPr lang="it-IT">
-                <a:cs typeface="Calibri"/>
-              </a:rPr>
-              <a:t> </a:t>
-            </a:r>
-            <a:r>
-              <a:rPr lang="it-IT" err="1">
-                <a:cs typeface="Calibri"/>
-              </a:rPr>
-              <a:t>through</a:t>
-            </a:r>
-            <a:r>
-              <a:rPr lang="it-IT">
-                <a:cs typeface="Calibri"/>
-              </a:rPr>
-              <a:t> the </a:t>
-            </a:r>
-            <a:r>
-              <a:rPr lang="it-IT" b="1">
-                <a:cs typeface="Calibri"/>
-              </a:rPr>
-              <a:t>$</a:t>
-            </a:r>
-            <a:r>
-              <a:rPr lang="it-IT" b="1" err="1">
-                <a:cs typeface="Calibri"/>
-              </a:rPr>
-              <a:t>readmemh</a:t>
-            </a:r>
-            <a:r>
-              <a:rPr lang="it-IT">
-                <a:cs typeface="Calibri"/>
-              </a:rPr>
-              <a:t> </a:t>
-            </a:r>
-            <a:r>
-              <a:rPr lang="it-IT" err="1">
-                <a:cs typeface="Calibri"/>
-              </a:rPr>
-              <a:t>instruction</a:t>
-            </a:r>
-            <a:r>
-              <a:rPr lang="it-IT">
-                <a:cs typeface="Calibri"/>
-              </a:rPr>
-              <a:t>.</a:t>
-            </a:r>
-          </a:p>
-        </p:txBody>
-      </p:sp>
-      <p:pic>
-        <p:nvPicPr>
-          <p:cNvPr id="8" name="Immagine 9">
-            <a:extLst>
-              <a:ext uri="{FF2B5EF4-FFF2-40B4-BE49-F238E27FC236}">
-                <a16:creationId xmlns:a16="http://schemas.microsoft.com/office/drawing/2014/main" id="{7B6AA9D5-68F3-4724-8C90-C5B63E5221F6}"/>
-              </a:ext>
-            </a:extLst>
-          </p:cNvPr>
-          <p:cNvPicPr>
-            <a:picLocks noChangeAspect="1"/>
-          </p:cNvPicPr>
-          <p:nvPr/>
-        </p:nvPicPr>
-        <p:blipFill>
-          <a:blip r:embed="rId7"/>
-          <a:stretch>
-            <a:fillRect/>
-          </a:stretch>
-        </p:blipFill>
-        <p:spPr>
-          <a:xfrm>
-            <a:off x="510621" y="5816952"/>
-            <a:ext cx="8042422" cy="614337"/>
-          </a:xfrm>
-          <a:prstGeom prst="rect">
-            <a:avLst/>
-          </a:prstGeom>
-        </p:spPr>
-      </p:pic>
-    </p:spTree>
-    <p:extLst>
-      <p:ext uri="{BB962C8B-B14F-4D97-AF65-F5344CB8AC3E}">
-        <p14:creationId xmlns:p14="http://schemas.microsoft.com/office/powerpoint/2010/main" val="2944145909"/>
-      </p:ext>
-    </p:extLst>
-  </p:cSld>
-  <p:clrMapOvr>
-    <a:masterClrMapping/>
-  </p:clrMapOvr>
-</p:sld>
-</file>
-
-<file path=ppt/slides/slide7.xml><?xml version="1.0" encoding="utf-8"?>
+<file path=ppt/slides/slide5.xml><?xml version="1.0" encoding="utf-8"?>
 <p:sld xmlns:a="http://schemas.openxmlformats.org/drawingml/2006/main" xmlns:r="http://schemas.openxmlformats.org/officeDocument/2006/relationships" xmlns:p="http://schemas.openxmlformats.org/presentationml/2006/main" showMasterSp="0">
   <p:cSld>
     <p:spTree>
@@ -11531,7 +11074,7 @@
 </p:sld>
 </file>
 
-<file path=ppt/slides/slide8.xml><?xml version="1.0" encoding="utf-8"?>
+<file path=ppt/slides/slide6.xml><?xml version="1.0" encoding="utf-8"?>
 <p:sld xmlns:a="http://schemas.openxmlformats.org/drawingml/2006/main" xmlns:r="http://schemas.openxmlformats.org/officeDocument/2006/relationships" xmlns:p="http://schemas.openxmlformats.org/presentationml/2006/main" showMasterSp="0">
   <p:cSld>
     <p:spTree>
@@ -12081,6 +11624,926 @@
 </p:sld>
 </file>
 
+<file path=ppt/slides/slide7.xml><?xml version="1.0" encoding="utf-8"?>
+<p:sld xmlns:a="http://schemas.openxmlformats.org/drawingml/2006/main" xmlns:r="http://schemas.openxmlformats.org/officeDocument/2006/relationships" xmlns:p="http://schemas.openxmlformats.org/presentationml/2006/main" showMasterSp="0">
+  <p:cSld>
+    <p:spTree>
+      <p:nvGrpSpPr>
+        <p:cNvPr id="1" name=""/>
+        <p:cNvGrpSpPr/>
+        <p:nvPr/>
+      </p:nvGrpSpPr>
+      <p:grpSpPr>
+        <a:xfrm>
+          <a:off x="0" y="0"/>
+          <a:ext cx="0" cy="0"/>
+          <a:chOff x="0" y="0"/>
+          <a:chExt cx="0" cy="0"/>
+        </a:xfrm>
+      </p:grpSpPr>
+      <p:sp>
+        <p:nvSpPr>
+          <p:cNvPr id="2" name="object 2"/>
+          <p:cNvSpPr/>
+          <p:nvPr/>
+        </p:nvSpPr>
+        <p:spPr>
+          <a:xfrm>
+            <a:off x="0" y="0"/>
+            <a:ext cx="9524999" cy="7143750"/>
+          </a:xfrm>
+          <a:prstGeom prst="rect">
+            <a:avLst/>
+          </a:prstGeom>
+          <a:blipFill>
+            <a:blip r:embed="rId3" cstate="print"/>
+            <a:stretch>
+              <a:fillRect/>
+            </a:stretch>
+          </a:blipFill>
+        </p:spPr>
+        <p:txBody>
+          <a:bodyPr wrap="square" lIns="0" tIns="0" rIns="0" bIns="0" rtlCol="0" anchor="t"/>
+          <a:lstStyle/>
+          <a:p>
+            <a:endParaRPr lang="it-IT"/>
+          </a:p>
+        </p:txBody>
+      </p:sp>
+      <p:pic>
+        <p:nvPicPr>
+          <p:cNvPr id="6" name="Immagine 6">
+            <a:extLst>
+              <a:ext uri="{FF2B5EF4-FFF2-40B4-BE49-F238E27FC236}">
+                <a16:creationId xmlns:a16="http://schemas.microsoft.com/office/drawing/2014/main" id="{2AE4A563-C18C-4D19-BCC3-4DFDFF929288}"/>
+              </a:ext>
+            </a:extLst>
+          </p:cNvPr>
+          <p:cNvPicPr>
+            <a:picLocks noChangeAspect="1"/>
+          </p:cNvPicPr>
+          <p:nvPr/>
+        </p:nvPicPr>
+        <p:blipFill>
+          <a:blip r:embed="rId4"/>
+          <a:stretch>
+            <a:fillRect/>
+          </a:stretch>
+        </p:blipFill>
+        <p:spPr>
+          <a:xfrm>
+            <a:off x="394673" y="1409441"/>
+            <a:ext cx="5518412" cy="3513834"/>
+          </a:xfrm>
+          <a:prstGeom prst="rect">
+            <a:avLst/>
+          </a:prstGeom>
+        </p:spPr>
+      </p:pic>
+      <p:sp>
+        <p:nvSpPr>
+          <p:cNvPr id="7" name="CasellaDiTesto 6">
+            <a:extLst>
+              <a:ext uri="{FF2B5EF4-FFF2-40B4-BE49-F238E27FC236}">
+                <a16:creationId xmlns:a16="http://schemas.microsoft.com/office/drawing/2014/main" id="{BAA2CF90-356C-413E-8B41-094C994DED90}"/>
+              </a:ext>
+            </a:extLst>
+          </p:cNvPr>
+          <p:cNvSpPr txBox="1"/>
+          <p:nvPr/>
+        </p:nvSpPr>
+        <p:spPr>
+          <a:xfrm>
+            <a:off x="0" y="314914"/>
+            <a:ext cx="9484549" cy="523220"/>
+          </a:xfrm>
+          <a:prstGeom prst="rect">
+            <a:avLst/>
+          </a:prstGeom>
+          <a:noFill/>
+        </p:spPr>
+        <p:txBody>
+          <a:bodyPr wrap="square" lIns="91440" tIns="45720" rIns="91440" bIns="45720" rtlCol="0" anchor="t">
+            <a:spAutoFit/>
+          </a:bodyPr>
+          <a:lstStyle/>
+          <a:p>
+            <a:r>
+              <a:rPr lang="it-IT" sz="2800">
+                <a:solidFill>
+                  <a:schemeClr val="bg1"/>
+                </a:solidFill>
+              </a:rPr>
+              <a:t>  </a:t>
+            </a:r>
+            <a:r>
+              <a:rPr lang="it-IT" sz="2800" err="1">
+                <a:solidFill>
+                  <a:schemeClr val="bg1"/>
+                </a:solidFill>
+              </a:rPr>
+              <a:t>Our</a:t>
+            </a:r>
+            <a:r>
+              <a:rPr lang="it-IT" sz="2800">
+                <a:solidFill>
+                  <a:schemeClr val="bg1"/>
+                </a:solidFill>
+              </a:rPr>
+              <a:t> </a:t>
+            </a:r>
+            <a:r>
+              <a:rPr lang="it-IT" sz="2800" err="1">
+                <a:solidFill>
+                  <a:schemeClr val="bg1"/>
+                </a:solidFill>
+              </a:rPr>
+              <a:t>memory</a:t>
+            </a:r>
+            <a:r>
+              <a:rPr lang="it-IT" sz="2800">
+                <a:solidFill>
+                  <a:schemeClr val="bg1"/>
+                </a:solidFill>
+              </a:rPr>
+              <a:t> </a:t>
+            </a:r>
+            <a:r>
+              <a:rPr lang="it-IT" sz="2800" err="1">
+                <a:solidFill>
+                  <a:schemeClr val="bg1"/>
+                </a:solidFill>
+              </a:rPr>
+              <a:t>as</a:t>
+            </a:r>
+            <a:r>
+              <a:rPr lang="it-IT" sz="2800">
+                <a:solidFill>
+                  <a:schemeClr val="bg1"/>
+                </a:solidFill>
+              </a:rPr>
+              <a:t> </a:t>
+            </a:r>
+            <a:r>
+              <a:rPr lang="it-IT" sz="2800" err="1">
+                <a:solidFill>
+                  <a:schemeClr val="bg1"/>
+                </a:solidFill>
+              </a:rPr>
+              <a:t>instruction</a:t>
+            </a:r>
+            <a:r>
+              <a:rPr lang="it-IT" sz="2800">
+                <a:solidFill>
+                  <a:schemeClr val="bg1"/>
+                </a:solidFill>
+              </a:rPr>
+              <a:t> </a:t>
+            </a:r>
+            <a:r>
+              <a:rPr lang="it-IT" sz="2800" err="1">
+                <a:solidFill>
+                  <a:schemeClr val="bg1"/>
+                </a:solidFill>
+              </a:rPr>
+              <a:t>memory</a:t>
+            </a:r>
+            <a:endParaRPr lang="it-IT" sz="2800">
+              <a:solidFill>
+                <a:schemeClr val="bg1"/>
+              </a:solidFill>
+            </a:endParaRPr>
+          </a:p>
+        </p:txBody>
+      </p:sp>
+      <p:sp>
+        <p:nvSpPr>
+          <p:cNvPr id="13" name="CasellaDiTesto 12">
+            <a:extLst>
+              <a:ext uri="{FF2B5EF4-FFF2-40B4-BE49-F238E27FC236}">
+                <a16:creationId xmlns:a16="http://schemas.microsoft.com/office/drawing/2014/main" id="{7E19A174-8B1C-4868-BD60-D1A598BEBEA4}"/>
+              </a:ext>
+            </a:extLst>
+          </p:cNvPr>
+          <p:cNvSpPr txBox="1"/>
+          <p:nvPr/>
+        </p:nvSpPr>
+        <p:spPr>
+          <a:xfrm>
+            <a:off x="6112486" y="2254533"/>
+            <a:ext cx="3024880" cy="1477328"/>
+          </a:xfrm>
+          <a:prstGeom prst="rect">
+            <a:avLst/>
+          </a:prstGeom>
+          <a:noFill/>
+        </p:spPr>
+        <p:txBody>
+          <a:bodyPr rot="0" spcFirstLastPara="0" vertOverflow="overflow" horzOverflow="overflow" vert="horz" wrap="square" lIns="91440" tIns="45720" rIns="91440" bIns="45720" numCol="1" spcCol="0" rtlCol="0" fromWordArt="0" anchor="t" anchorCtr="0" forceAA="0" compatLnSpc="1">
+            <a:prstTxWarp prst="textNoShape">
+              <a:avLst/>
+            </a:prstTxWarp>
+            <a:spAutoFit/>
+          </a:bodyPr>
+          <a:lstStyle/>
+          <a:p>
+            <a:r>
+              <a:rPr lang="it-IT" err="1">
+                <a:cs typeface="Calibri"/>
+              </a:rPr>
+              <a:t>We</a:t>
+            </a:r>
+            <a:r>
+              <a:rPr lang="it-IT">
+                <a:cs typeface="Calibri"/>
+              </a:rPr>
+              <a:t> </a:t>
+            </a:r>
+            <a:r>
+              <a:rPr lang="it-IT" err="1">
+                <a:cs typeface="Calibri"/>
+              </a:rPr>
+              <a:t>built</a:t>
+            </a:r>
+            <a:r>
+              <a:rPr lang="it-IT">
+                <a:cs typeface="Calibri"/>
+              </a:rPr>
+              <a:t> a </a:t>
+            </a:r>
+            <a:r>
+              <a:rPr lang="it-IT" err="1">
+                <a:cs typeface="Calibri"/>
+              </a:rPr>
+              <a:t>Verilog</a:t>
+            </a:r>
+            <a:r>
+              <a:rPr lang="it-IT">
+                <a:cs typeface="Calibri"/>
+              </a:rPr>
+              <a:t> </a:t>
+            </a:r>
+            <a:r>
+              <a:rPr lang="it-IT" err="1">
+                <a:cs typeface="Calibri"/>
+              </a:rPr>
+              <a:t>block</a:t>
+            </a:r>
+            <a:r>
+              <a:rPr lang="it-IT">
+                <a:cs typeface="Calibri"/>
+              </a:rPr>
+              <a:t> </a:t>
+            </a:r>
+            <a:r>
+              <a:rPr lang="it-IT" err="1">
+                <a:cs typeface="Calibri"/>
+              </a:rPr>
+              <a:t>where</a:t>
+            </a:r>
+            <a:r>
+              <a:rPr lang="it-IT">
+                <a:cs typeface="Calibri"/>
+              </a:rPr>
+              <a:t> </a:t>
+            </a:r>
+            <a:r>
+              <a:rPr lang="it-IT" err="1">
+                <a:cs typeface="Calibri"/>
+              </a:rPr>
+              <a:t>we</a:t>
+            </a:r>
+            <a:r>
+              <a:rPr lang="it-IT">
+                <a:cs typeface="Calibri"/>
+              </a:rPr>
+              <a:t> </a:t>
+            </a:r>
+            <a:r>
+              <a:rPr lang="it-IT" err="1">
+                <a:cs typeface="Calibri"/>
+              </a:rPr>
+              <a:t>instantiated</a:t>
+            </a:r>
+            <a:r>
+              <a:rPr lang="it-IT">
+                <a:cs typeface="Calibri"/>
+              </a:rPr>
+              <a:t> a </a:t>
+            </a:r>
+            <a:r>
+              <a:rPr lang="it-IT" b="1">
+                <a:cs typeface="Calibri"/>
+              </a:rPr>
+              <a:t>reg </a:t>
+            </a:r>
+            <a:r>
+              <a:rPr lang="it-IT">
+                <a:cs typeface="Calibri"/>
+              </a:rPr>
+              <a:t>array to </a:t>
+            </a:r>
+            <a:r>
+              <a:rPr lang="it-IT" err="1">
+                <a:cs typeface="Calibri"/>
+              </a:rPr>
+              <a:t>implement</a:t>
+            </a:r>
+            <a:r>
+              <a:rPr lang="it-IT">
+                <a:cs typeface="Calibri"/>
+              </a:rPr>
+              <a:t> the </a:t>
+            </a:r>
+            <a:r>
+              <a:rPr lang="it-IT" err="1">
+                <a:cs typeface="Calibri"/>
+              </a:rPr>
+              <a:t>memory</a:t>
+            </a:r>
+            <a:r>
+              <a:rPr lang="it-IT">
+                <a:cs typeface="Calibri"/>
+              </a:rPr>
+              <a:t> </a:t>
+            </a:r>
+            <a:r>
+              <a:rPr lang="it-IT" err="1">
+                <a:cs typeface="Calibri"/>
+              </a:rPr>
+              <a:t>itself</a:t>
+            </a:r>
+            <a:r>
+              <a:rPr lang="it-IT">
+                <a:cs typeface="Calibri"/>
+              </a:rPr>
+              <a:t>.</a:t>
+            </a:r>
+          </a:p>
+          <a:p>
+            <a:r>
+              <a:rPr lang="it-IT" err="1">
+                <a:cs typeface="Calibri"/>
+              </a:rPr>
+              <a:t>We</a:t>
+            </a:r>
+            <a:r>
+              <a:rPr lang="it-IT">
+                <a:cs typeface="Calibri"/>
+              </a:rPr>
+              <a:t> </a:t>
+            </a:r>
+            <a:r>
+              <a:rPr lang="it-IT" err="1">
+                <a:cs typeface="Calibri"/>
+              </a:rPr>
+              <a:t>loaded</a:t>
+            </a:r>
+            <a:r>
+              <a:rPr lang="it-IT">
+                <a:cs typeface="Calibri"/>
+              </a:rPr>
+              <a:t> </a:t>
+            </a:r>
+            <a:r>
+              <a:rPr lang="it-IT" err="1">
+                <a:cs typeface="Calibri"/>
+              </a:rPr>
+              <a:t>it</a:t>
+            </a:r>
+            <a:r>
+              <a:rPr lang="it-IT">
+                <a:cs typeface="Calibri"/>
+              </a:rPr>
+              <a:t> </a:t>
+            </a:r>
+            <a:r>
+              <a:rPr lang="it-IT" err="1">
+                <a:cs typeface="Calibri"/>
+              </a:rPr>
+              <a:t>through</a:t>
+            </a:r>
+            <a:r>
+              <a:rPr lang="it-IT">
+                <a:cs typeface="Calibri"/>
+              </a:rPr>
+              <a:t> the </a:t>
+            </a:r>
+            <a:r>
+              <a:rPr lang="it-IT" b="1">
+                <a:cs typeface="Calibri"/>
+              </a:rPr>
+              <a:t>$</a:t>
+            </a:r>
+            <a:r>
+              <a:rPr lang="it-IT" b="1" err="1">
+                <a:cs typeface="Calibri"/>
+              </a:rPr>
+              <a:t>readmemh</a:t>
+            </a:r>
+            <a:r>
+              <a:rPr lang="it-IT">
+                <a:cs typeface="Calibri"/>
+              </a:rPr>
+              <a:t> </a:t>
+            </a:r>
+            <a:r>
+              <a:rPr lang="it-IT" err="1">
+                <a:cs typeface="Calibri"/>
+              </a:rPr>
+              <a:t>instruction</a:t>
+            </a:r>
+            <a:r>
+              <a:rPr lang="it-IT">
+                <a:cs typeface="Calibri"/>
+              </a:rPr>
+              <a:t>.</a:t>
+            </a:r>
+          </a:p>
+        </p:txBody>
+      </p:sp>
+      <p:pic>
+        <p:nvPicPr>
+          <p:cNvPr id="4" name="Immagine 9">
+            <a:extLst>
+              <a:ext uri="{FF2B5EF4-FFF2-40B4-BE49-F238E27FC236}">
+                <a16:creationId xmlns:a16="http://schemas.microsoft.com/office/drawing/2014/main" id="{4BE40EC1-4848-4047-8232-FF873FDED85A}"/>
+              </a:ext>
+            </a:extLst>
+          </p:cNvPr>
+          <p:cNvPicPr>
+            <a:picLocks noChangeAspect="1"/>
+          </p:cNvPicPr>
+          <p:nvPr/>
+        </p:nvPicPr>
+        <p:blipFill rotWithShape="1">
+          <a:blip r:embed="rId5"/>
+          <a:srcRect l="32" r="17986"/>
+          <a:stretch/>
+        </p:blipFill>
+        <p:spPr>
+          <a:xfrm>
+            <a:off x="334" y="4807406"/>
+            <a:ext cx="8556990" cy="717458"/>
+          </a:xfrm>
+          <a:prstGeom prst="rect">
+            <a:avLst/>
+          </a:prstGeom>
+        </p:spPr>
+      </p:pic>
+      <p:pic>
+        <p:nvPicPr>
+          <p:cNvPr id="10" name="Immagine 10">
+            <a:extLst>
+              <a:ext uri="{FF2B5EF4-FFF2-40B4-BE49-F238E27FC236}">
+                <a16:creationId xmlns:a16="http://schemas.microsoft.com/office/drawing/2014/main" id="{323E91C8-E275-49B7-A816-908435DBC916}"/>
+              </a:ext>
+            </a:extLst>
+          </p:cNvPr>
+          <p:cNvPicPr>
+            <a:picLocks noChangeAspect="1"/>
+          </p:cNvPicPr>
+          <p:nvPr/>
+        </p:nvPicPr>
+        <p:blipFill>
+          <a:blip r:embed="rId6"/>
+          <a:stretch>
+            <a:fillRect/>
+          </a:stretch>
+        </p:blipFill>
+        <p:spPr>
+          <a:xfrm>
+            <a:off x="-3044" y="5643416"/>
+            <a:ext cx="7662644" cy="290289"/>
+          </a:xfrm>
+          <a:prstGeom prst="rect">
+            <a:avLst/>
+          </a:prstGeom>
+        </p:spPr>
+      </p:pic>
+      <p:pic>
+        <p:nvPicPr>
+          <p:cNvPr id="12" name="Immagine 13">
+            <a:extLst>
+              <a:ext uri="{FF2B5EF4-FFF2-40B4-BE49-F238E27FC236}">
+                <a16:creationId xmlns:a16="http://schemas.microsoft.com/office/drawing/2014/main" id="{D93714EF-5A66-45E0-A68C-62E249F0EBCF}"/>
+              </a:ext>
+            </a:extLst>
+          </p:cNvPr>
+          <p:cNvPicPr>
+            <a:picLocks noChangeAspect="1"/>
+          </p:cNvPicPr>
+          <p:nvPr/>
+        </p:nvPicPr>
+        <p:blipFill>
+          <a:blip r:embed="rId7"/>
+          <a:stretch>
+            <a:fillRect/>
+          </a:stretch>
+        </p:blipFill>
+        <p:spPr>
+          <a:xfrm>
+            <a:off x="116902" y="6000025"/>
+            <a:ext cx="7917644" cy="206946"/>
+          </a:xfrm>
+          <a:prstGeom prst="rect">
+            <a:avLst/>
+          </a:prstGeom>
+        </p:spPr>
+      </p:pic>
+    </p:spTree>
+    <p:extLst>
+      <p:ext uri="{BB962C8B-B14F-4D97-AF65-F5344CB8AC3E}">
+        <p14:creationId xmlns:p14="http://schemas.microsoft.com/office/powerpoint/2010/main" val="328222602"/>
+      </p:ext>
+    </p:extLst>
+  </p:cSld>
+  <p:clrMapOvr>
+    <a:masterClrMapping/>
+  </p:clrMapOvr>
+</p:sld>
+</file>
+
+<file path=ppt/slides/slide8.xml><?xml version="1.0" encoding="utf-8"?>
+<p:sld xmlns:a="http://schemas.openxmlformats.org/drawingml/2006/main" xmlns:r="http://schemas.openxmlformats.org/officeDocument/2006/relationships" xmlns:p="http://schemas.openxmlformats.org/presentationml/2006/main" showMasterSp="0">
+  <p:cSld>
+    <p:spTree>
+      <p:nvGrpSpPr>
+        <p:cNvPr id="1" name=""/>
+        <p:cNvGrpSpPr/>
+        <p:nvPr/>
+      </p:nvGrpSpPr>
+      <p:grpSpPr>
+        <a:xfrm>
+          <a:off x="0" y="0"/>
+          <a:ext cx="0" cy="0"/>
+          <a:chOff x="0" y="0"/>
+          <a:chExt cx="0" cy="0"/>
+        </a:xfrm>
+      </p:grpSpPr>
+      <p:sp>
+        <p:nvSpPr>
+          <p:cNvPr id="2" name="object 2"/>
+          <p:cNvSpPr/>
+          <p:nvPr/>
+        </p:nvSpPr>
+        <p:spPr>
+          <a:xfrm>
+            <a:off x="0" y="-90224"/>
+            <a:ext cx="9614435" cy="7154931"/>
+          </a:xfrm>
+          <a:prstGeom prst="rect">
+            <a:avLst/>
+          </a:prstGeom>
+          <a:blipFill>
+            <a:blip r:embed="rId3" cstate="print"/>
+            <a:stretch>
+              <a:fillRect/>
+            </a:stretch>
+          </a:blipFill>
+        </p:spPr>
+        <p:txBody>
+          <a:bodyPr wrap="square" lIns="0" tIns="0" rIns="0" bIns="0" rtlCol="0"/>
+          <a:lstStyle/>
+          <a:p>
+            <a:endParaRPr lang="it-IT" u="sng">
+              <a:solidFill>
+                <a:schemeClr val="bg1"/>
+              </a:solidFill>
+            </a:endParaRPr>
+          </a:p>
+        </p:txBody>
+      </p:sp>
+      <p:sp>
+        <p:nvSpPr>
+          <p:cNvPr id="3" name="CasellaDiTesto 2">
+            <a:extLst>
+              <a:ext uri="{FF2B5EF4-FFF2-40B4-BE49-F238E27FC236}">
+                <a16:creationId xmlns:a16="http://schemas.microsoft.com/office/drawing/2014/main" id="{658DADC0-8842-45C0-93ED-698917C49B55}"/>
+              </a:ext>
+            </a:extLst>
+          </p:cNvPr>
+          <p:cNvSpPr txBox="1"/>
+          <p:nvPr/>
+        </p:nvSpPr>
+        <p:spPr>
+          <a:xfrm>
+            <a:off x="176102" y="1461910"/>
+            <a:ext cx="8256554" cy="646331"/>
+          </a:xfrm>
+          <a:prstGeom prst="rect">
+            <a:avLst/>
+          </a:prstGeom>
+          <a:noFill/>
+        </p:spPr>
+        <p:txBody>
+          <a:bodyPr rot="0" spcFirstLastPara="0" vertOverflow="overflow" horzOverflow="overflow" vert="horz" wrap="square" lIns="91440" tIns="45720" rIns="91440" bIns="45720" numCol="1" spcCol="0" rtlCol="0" fromWordArt="0" anchor="t" anchorCtr="0" forceAA="0" compatLnSpc="1">
+            <a:prstTxWarp prst="textNoShape">
+              <a:avLst/>
+            </a:prstTxWarp>
+            <a:spAutoFit/>
+          </a:bodyPr>
+          <a:lstStyle/>
+          <a:p>
+            <a:r>
+              <a:rPr lang="it-IT" err="1">
+                <a:ea typeface="+mn-lt"/>
+                <a:cs typeface="+mn-lt"/>
+              </a:rPr>
+              <a:t>We</a:t>
+            </a:r>
+            <a:r>
+              <a:rPr lang="it-IT">
+                <a:ea typeface="+mn-lt"/>
+                <a:cs typeface="+mn-lt"/>
+              </a:rPr>
+              <a:t> </a:t>
+            </a:r>
+            <a:r>
+              <a:rPr lang="it-IT" err="1">
+                <a:ea typeface="+mn-lt"/>
+                <a:cs typeface="+mn-lt"/>
+              </a:rPr>
+              <a:t>decided</a:t>
+            </a:r>
+            <a:r>
+              <a:rPr lang="it-IT">
+                <a:ea typeface="+mn-lt"/>
+                <a:cs typeface="+mn-lt"/>
+              </a:rPr>
+              <a:t> to </a:t>
+            </a:r>
+            <a:r>
+              <a:rPr lang="it-IT" err="1">
+                <a:ea typeface="+mn-lt"/>
+                <a:cs typeface="+mn-lt"/>
+              </a:rPr>
+              <a:t>write</a:t>
+            </a:r>
+            <a:r>
+              <a:rPr lang="it-IT">
+                <a:ea typeface="+mn-lt"/>
+                <a:cs typeface="+mn-lt"/>
+              </a:rPr>
+              <a:t> a </a:t>
+            </a:r>
+            <a:r>
+              <a:rPr lang="it-IT" err="1">
+                <a:ea typeface="+mn-lt"/>
+                <a:cs typeface="+mn-lt"/>
+              </a:rPr>
+              <a:t>very</a:t>
+            </a:r>
+            <a:r>
+              <a:rPr lang="it-IT">
+                <a:ea typeface="+mn-lt"/>
+                <a:cs typeface="+mn-lt"/>
+              </a:rPr>
+              <a:t> </a:t>
+            </a:r>
+            <a:r>
+              <a:rPr lang="it-IT" err="1">
+                <a:ea typeface="+mn-lt"/>
+                <a:cs typeface="+mn-lt"/>
+              </a:rPr>
+              <a:t>simple</a:t>
+            </a:r>
+            <a:r>
+              <a:rPr lang="it-IT">
+                <a:ea typeface="+mn-lt"/>
+                <a:cs typeface="+mn-lt"/>
+              </a:rPr>
+              <a:t> </a:t>
+            </a:r>
+            <a:r>
+              <a:rPr lang="it-IT" err="1">
+                <a:ea typeface="+mn-lt"/>
+                <a:cs typeface="+mn-lt"/>
+              </a:rPr>
+              <a:t>application</a:t>
+            </a:r>
+            <a:r>
+              <a:rPr lang="it-IT">
+                <a:ea typeface="+mn-lt"/>
+                <a:cs typeface="+mn-lt"/>
+              </a:rPr>
+              <a:t>, </a:t>
+            </a:r>
+            <a:r>
+              <a:rPr lang="it-IT" err="1">
+                <a:ea typeface="+mn-lt"/>
+                <a:cs typeface="+mn-lt"/>
+              </a:rPr>
+              <a:t>namely</a:t>
+            </a:r>
+            <a:r>
+              <a:rPr lang="it-IT">
+                <a:ea typeface="+mn-lt"/>
+                <a:cs typeface="+mn-lt"/>
+              </a:rPr>
+              <a:t>  an </a:t>
+            </a:r>
+            <a:r>
+              <a:rPr lang="it-IT" err="1">
+                <a:ea typeface="+mn-lt"/>
+                <a:cs typeface="+mn-lt"/>
+              </a:rPr>
+              <a:t>endless</a:t>
+            </a:r>
+            <a:r>
+              <a:rPr lang="it-IT">
+                <a:ea typeface="+mn-lt"/>
+                <a:cs typeface="+mn-lt"/>
+              </a:rPr>
+              <a:t> led </a:t>
+            </a:r>
+            <a:r>
+              <a:rPr lang="it-IT" err="1">
+                <a:ea typeface="+mn-lt"/>
+                <a:cs typeface="+mn-lt"/>
+              </a:rPr>
+              <a:t>blinking</a:t>
+            </a:r>
+            <a:r>
+              <a:rPr lang="it-IT">
+                <a:ea typeface="+mn-lt"/>
+                <a:cs typeface="+mn-lt"/>
+              </a:rPr>
+              <a:t>.</a:t>
+            </a:r>
+          </a:p>
+          <a:p>
+            <a:endParaRPr lang="it-IT">
+              <a:ea typeface="+mn-lt"/>
+              <a:cs typeface="+mn-lt"/>
+            </a:endParaRPr>
+          </a:p>
+        </p:txBody>
+      </p:sp>
+      <p:pic>
+        <p:nvPicPr>
+          <p:cNvPr id="5" name="Immagine 5" descr="Immagine che contiene testo&#10;&#10;Descrizione generata automaticamente">
+            <a:extLst>
+              <a:ext uri="{FF2B5EF4-FFF2-40B4-BE49-F238E27FC236}">
+                <a16:creationId xmlns:a16="http://schemas.microsoft.com/office/drawing/2014/main" id="{F805A23D-D90B-4D66-A53F-37AD3605E734}"/>
+              </a:ext>
+            </a:extLst>
+          </p:cNvPr>
+          <p:cNvPicPr>
+            <a:picLocks noChangeAspect="1"/>
+          </p:cNvPicPr>
+          <p:nvPr/>
+        </p:nvPicPr>
+        <p:blipFill>
+          <a:blip r:embed="rId4"/>
+          <a:stretch>
+            <a:fillRect/>
+          </a:stretch>
+        </p:blipFill>
+        <p:spPr>
+          <a:xfrm>
+            <a:off x="173488" y="1966578"/>
+            <a:ext cx="4884444" cy="1420747"/>
+          </a:xfrm>
+          <a:prstGeom prst="rect">
+            <a:avLst/>
+          </a:prstGeom>
+        </p:spPr>
+      </p:pic>
+      <p:sp>
+        <p:nvSpPr>
+          <p:cNvPr id="8" name="CasellaDiTesto 7">
+            <a:extLst>
+              <a:ext uri="{FF2B5EF4-FFF2-40B4-BE49-F238E27FC236}">
+                <a16:creationId xmlns:a16="http://schemas.microsoft.com/office/drawing/2014/main" id="{BF74DC4B-FF58-4D3D-A116-27A57A3A4392}"/>
+              </a:ext>
+            </a:extLst>
+          </p:cNvPr>
+          <p:cNvSpPr txBox="1"/>
+          <p:nvPr/>
+        </p:nvSpPr>
+        <p:spPr>
+          <a:xfrm>
+            <a:off x="-84550" y="376505"/>
+            <a:ext cx="9562740" cy="523220"/>
+          </a:xfrm>
+          <a:prstGeom prst="rect">
+            <a:avLst/>
+          </a:prstGeom>
+          <a:noFill/>
+        </p:spPr>
+        <p:txBody>
+          <a:bodyPr rot="0" spcFirstLastPara="0" vertOverflow="overflow" horzOverflow="overflow" vert="horz" wrap="square" lIns="91440" tIns="45720" rIns="91440" bIns="45720" numCol="1" spcCol="0" rtlCol="0" fromWordArt="0" anchor="t" anchorCtr="0" forceAA="0" compatLnSpc="1">
+            <a:prstTxWarp prst="textNoShape">
+              <a:avLst/>
+            </a:prstTxWarp>
+            <a:spAutoFit/>
+          </a:bodyPr>
+          <a:lstStyle/>
+          <a:p>
+            <a:r>
+              <a:rPr lang="it-IT" sz="2800">
+                <a:solidFill>
+                  <a:schemeClr val="bg1"/>
+                </a:solidFill>
+                <a:cs typeface="Calibri"/>
+              </a:rPr>
+              <a:t>  </a:t>
+            </a:r>
+            <a:r>
+              <a:rPr lang="it-IT" sz="2800" err="1">
+                <a:solidFill>
+                  <a:schemeClr val="bg1"/>
+                </a:solidFill>
+                <a:cs typeface="Calibri"/>
+              </a:rPr>
+              <a:t>Our</a:t>
+            </a:r>
+            <a:r>
+              <a:rPr lang="it-IT" sz="2800">
+                <a:solidFill>
+                  <a:schemeClr val="bg1"/>
+                </a:solidFill>
+                <a:cs typeface="Calibri"/>
+              </a:rPr>
+              <a:t> firmware</a:t>
+            </a:r>
+          </a:p>
+        </p:txBody>
+      </p:sp>
+      <p:pic>
+        <p:nvPicPr>
+          <p:cNvPr id="6" name="Immagine 9">
+            <a:extLst>
+              <a:ext uri="{FF2B5EF4-FFF2-40B4-BE49-F238E27FC236}">
+                <a16:creationId xmlns:a16="http://schemas.microsoft.com/office/drawing/2014/main" id="{F86C8DEE-EF17-47A0-B532-E6AE87E293F5}"/>
+              </a:ext>
+            </a:extLst>
+          </p:cNvPr>
+          <p:cNvPicPr>
+            <a:picLocks noChangeAspect="1"/>
+          </p:cNvPicPr>
+          <p:nvPr/>
+        </p:nvPicPr>
+        <p:blipFill>
+          <a:blip r:embed="rId5"/>
+          <a:stretch>
+            <a:fillRect/>
+          </a:stretch>
+        </p:blipFill>
+        <p:spPr>
+          <a:xfrm>
+            <a:off x="4639472" y="3106448"/>
+            <a:ext cx="4762824" cy="1657808"/>
+          </a:xfrm>
+          <a:prstGeom prst="rect">
+            <a:avLst/>
+          </a:prstGeom>
+        </p:spPr>
+      </p:pic>
+      <p:pic>
+        <p:nvPicPr>
+          <p:cNvPr id="11" name="Immagine 10">
+            <a:extLst>
+              <a:ext uri="{FF2B5EF4-FFF2-40B4-BE49-F238E27FC236}">
+                <a16:creationId xmlns:a16="http://schemas.microsoft.com/office/drawing/2014/main" id="{1C6861DD-9E1C-431C-AC99-9A2CE5236DB9}"/>
+              </a:ext>
+            </a:extLst>
+          </p:cNvPr>
+          <p:cNvPicPr>
+            <a:picLocks noChangeAspect="1"/>
+          </p:cNvPicPr>
+          <p:nvPr/>
+        </p:nvPicPr>
+        <p:blipFill>
+          <a:blip r:embed="rId6"/>
+          <a:stretch>
+            <a:fillRect/>
+          </a:stretch>
+        </p:blipFill>
+        <p:spPr>
+          <a:xfrm>
+            <a:off x="4119" y="5312668"/>
+            <a:ext cx="9398051" cy="733256"/>
+          </a:xfrm>
+          <a:prstGeom prst="rect">
+            <a:avLst/>
+          </a:prstGeom>
+        </p:spPr>
+      </p:pic>
+    </p:spTree>
+    <p:extLst>
+      <p:ext uri="{BB962C8B-B14F-4D97-AF65-F5344CB8AC3E}">
+        <p14:creationId xmlns:p14="http://schemas.microsoft.com/office/powerpoint/2010/main" val="1054213278"/>
+      </p:ext>
+    </p:extLst>
+  </p:cSld>
+  <p:clrMapOvr>
+    <a:masterClrMapping/>
+  </p:clrMapOvr>
+</p:sld>
+</file>
+
 <file path=ppt/slides/slide9.xml><?xml version="1.0" encoding="utf-8"?>
 <p:sld xmlns:a="http://schemas.openxmlformats.org/drawingml/2006/main" xmlns:r="http://schemas.openxmlformats.org/officeDocument/2006/relationships" xmlns:p="http://schemas.openxmlformats.org/presentationml/2006/main" showMasterSp="0">
   <p:cSld>
@@ -12106,8 +12569,8 @@
         </p:nvSpPr>
         <p:spPr>
           <a:xfrm>
-            <a:off x="-89960" y="-246"/>
-            <a:ext cx="9614435" cy="7154931"/>
+            <a:off x="0" y="10935"/>
+            <a:ext cx="9524999" cy="7143750"/>
           </a:xfrm>
           <a:prstGeom prst="rect">
             <a:avLst/>
@@ -12123,11 +12586,193 @@
           <a:bodyPr wrap="square" lIns="0" tIns="0" rIns="0" bIns="0" rtlCol="0"/>
           <a:lstStyle/>
           <a:p>
-            <a:endParaRPr lang="it-IT" u="sng">
+            <a:endParaRPr u="sng"/>
+          </a:p>
+        </p:txBody>
+      </p:sp>
+      <p:sp>
+        <p:nvSpPr>
+          <p:cNvPr id="7" name="CasellaDiTesto 6">
+            <a:extLst>
+              <a:ext uri="{FF2B5EF4-FFF2-40B4-BE49-F238E27FC236}">
+                <a16:creationId xmlns:a16="http://schemas.microsoft.com/office/drawing/2014/main" id="{0799D785-B706-42C2-A146-E1FD583261BB}"/>
+              </a:ext>
+            </a:extLst>
+          </p:cNvPr>
+          <p:cNvSpPr txBox="1"/>
+          <p:nvPr/>
+        </p:nvSpPr>
+        <p:spPr>
+          <a:xfrm>
+            <a:off x="5155" y="378691"/>
+            <a:ext cx="9477077" cy="540375"/>
+          </a:xfrm>
+          <a:prstGeom prst="rect">
+            <a:avLst/>
+          </a:prstGeom>
+          <a:noFill/>
+        </p:spPr>
+        <p:txBody>
+          <a:bodyPr wrap="square" lIns="91440" tIns="45720" rIns="91440" bIns="45720" rtlCol="0" anchor="t">
+            <a:spAutoFit/>
+          </a:bodyPr>
+          <a:lstStyle/>
+          <a:p>
+            <a:r>
+              <a:rPr lang="it-IT" sz="2800">
+                <a:solidFill>
+                  <a:schemeClr val="bg1"/>
+                </a:solidFill>
+              </a:rPr>
+              <a:t>  Timing </a:t>
+            </a:r>
+            <a:r>
+              <a:rPr lang="it-IT" sz="2800" err="1">
+                <a:solidFill>
+                  <a:schemeClr val="bg1"/>
+                </a:solidFill>
+              </a:rPr>
+              <a:t>Comparison</a:t>
+            </a:r>
+            <a:r>
+              <a:rPr lang="it-IT" sz="2800">
+                <a:solidFill>
+                  <a:schemeClr val="bg1"/>
+                </a:solidFill>
+              </a:rPr>
+              <a:t>: Post </a:t>
+            </a:r>
+            <a:r>
+              <a:rPr lang="it-IT" sz="2800" err="1">
+                <a:solidFill>
+                  <a:schemeClr val="bg1"/>
+                </a:solidFill>
+              </a:rPr>
+              <a:t>Synthesys</a:t>
+            </a:r>
+            <a:endParaRPr lang="it-IT" sz="2800">
               <a:solidFill>
                 <a:schemeClr val="bg1"/>
               </a:solidFill>
             </a:endParaRPr>
+          </a:p>
+        </p:txBody>
+      </p:sp>
+      <p:pic>
+        <p:nvPicPr>
+          <p:cNvPr id="9" name="Immagine 8">
+            <a:extLst>
+              <a:ext uri="{FF2B5EF4-FFF2-40B4-BE49-F238E27FC236}">
+                <a16:creationId xmlns:a16="http://schemas.microsoft.com/office/drawing/2014/main" id="{91B0055F-084B-48BE-85D9-053314972403}"/>
+              </a:ext>
+            </a:extLst>
+          </p:cNvPr>
+          <p:cNvPicPr>
+            <a:picLocks noChangeAspect="1"/>
+          </p:cNvPicPr>
+          <p:nvPr/>
+        </p:nvPicPr>
+        <p:blipFill rotWithShape="1">
+          <a:blip r:embed="rId3">
+            <a:extLst>
+              <a:ext uri="{28A0092B-C50C-407E-A947-70E740481C1C}">
+                <a14:useLocalDpi xmlns:a14="http://schemas.microsoft.com/office/drawing/2010/main" val="0"/>
+              </a:ext>
+            </a:extLst>
+          </a:blip>
+          <a:srcRect l="2262" t="10174" r="1905" b="47093"/>
+          <a:stretch/>
+        </p:blipFill>
+        <p:spPr>
+          <a:xfrm>
+            <a:off x="530555" y="2254225"/>
+            <a:ext cx="8463838" cy="1533648"/>
+          </a:xfrm>
+          <a:prstGeom prst="rect">
+            <a:avLst/>
+          </a:prstGeom>
+        </p:spPr>
+      </p:pic>
+      <p:pic>
+        <p:nvPicPr>
+          <p:cNvPr id="12" name="Immagine 11">
+            <a:extLst>
+              <a:ext uri="{FF2B5EF4-FFF2-40B4-BE49-F238E27FC236}">
+                <a16:creationId xmlns:a16="http://schemas.microsoft.com/office/drawing/2014/main" id="{29D5DBC8-64F4-40A3-81DB-EB02FC65BDA5}"/>
+              </a:ext>
+            </a:extLst>
+          </p:cNvPr>
+          <p:cNvPicPr>
+            <a:picLocks noChangeAspect="1"/>
+          </p:cNvPicPr>
+          <p:nvPr/>
+        </p:nvPicPr>
+        <p:blipFill rotWithShape="1">
+          <a:blip r:embed="rId4">
+            <a:extLst>
+              <a:ext uri="{28A0092B-C50C-407E-A947-70E740481C1C}">
+                <a14:useLocalDpi xmlns:a14="http://schemas.microsoft.com/office/drawing/2010/main" val="0"/>
+              </a:ext>
+            </a:extLst>
+          </a:blip>
+          <a:srcRect l="1087" t="12802" r="1779" b="46618"/>
+          <a:stretch/>
+        </p:blipFill>
+        <p:spPr>
+          <a:xfrm>
+            <a:off x="529553" y="4229060"/>
+            <a:ext cx="8512066" cy="1752556"/>
+          </a:xfrm>
+          <a:prstGeom prst="rect">
+            <a:avLst/>
+          </a:prstGeom>
+        </p:spPr>
+      </p:pic>
+      <p:sp>
+        <p:nvSpPr>
+          <p:cNvPr id="13" name="CasellaDiTesto 12">
+            <a:extLst>
+              <a:ext uri="{FF2B5EF4-FFF2-40B4-BE49-F238E27FC236}">
+                <a16:creationId xmlns:a16="http://schemas.microsoft.com/office/drawing/2014/main" id="{B7A90E75-B5B3-448C-ACAE-D1E7399985CF}"/>
+              </a:ext>
+            </a:extLst>
+          </p:cNvPr>
+          <p:cNvSpPr txBox="1"/>
+          <p:nvPr/>
+        </p:nvSpPr>
+        <p:spPr>
+          <a:xfrm>
+            <a:off x="6510885" y="2767645"/>
+            <a:ext cx="1345087" cy="646331"/>
+          </a:xfrm>
+          <a:prstGeom prst="rect">
+            <a:avLst/>
+          </a:prstGeom>
+        </p:spPr>
+        <p:style>
+          <a:lnRef idx="2">
+            <a:schemeClr val="accent5"/>
+          </a:lnRef>
+          <a:fillRef idx="1">
+            <a:schemeClr val="lt1"/>
+          </a:fillRef>
+          <a:effectRef idx="0">
+            <a:schemeClr val="accent5"/>
+          </a:effectRef>
+          <a:fontRef idx="minor">
+            <a:schemeClr val="dk1"/>
+          </a:fontRef>
+        </p:style>
+        <p:txBody>
+          <a:bodyPr wrap="square" lIns="91440" tIns="45720" rIns="91440" bIns="45720" rtlCol="0" anchor="t">
+            <a:spAutoFit/>
+          </a:bodyPr>
+          <a:lstStyle/>
+          <a:p>
+            <a:r>
+              <a:rPr lang="it-IT"/>
+              <a:t>BRAM: 2,265 ns</a:t>
+            </a:r>
           </a:p>
         </p:txBody>
       </p:sp>
@@ -12145,8 +12790,8 @@
         </p:nvSpPr>
         <p:spPr>
           <a:xfrm>
-            <a:off x="365759" y="1638846"/>
-            <a:ext cx="8256554" cy="646331"/>
+            <a:off x="864522" y="1472862"/>
+            <a:ext cx="5864124" cy="369332"/>
           </a:xfrm>
           <a:prstGeom prst="rect">
             <a:avLst/>
@@ -12163,176 +12808,38 @@
           <a:lstStyle/>
           <a:p>
             <a:r>
-              <a:rPr lang="it-IT" err="1">
-                <a:ea typeface="+mn-lt"/>
-                <a:cs typeface="+mn-lt"/>
-              </a:rPr>
+              <a:rPr lang="it-IT" err="1"/>
               <a:t>We</a:t>
             </a:r>
             <a:r>
-              <a:rPr lang="it-IT">
-                <a:ea typeface="+mn-lt"/>
-                <a:cs typeface="+mn-lt"/>
-              </a:rPr>
-              <a:t> </a:t>
-            </a:r>
-            <a:r>
-              <a:rPr lang="it-IT" err="1">
-                <a:ea typeface="+mn-lt"/>
-                <a:cs typeface="+mn-lt"/>
-              </a:rPr>
-              <a:t>decided</a:t>
-            </a:r>
-            <a:r>
-              <a:rPr lang="it-IT">
-                <a:ea typeface="+mn-lt"/>
-                <a:cs typeface="+mn-lt"/>
-              </a:rPr>
-              <a:t> to </a:t>
-            </a:r>
-            <a:r>
-              <a:rPr lang="it-IT" err="1">
-                <a:ea typeface="+mn-lt"/>
-                <a:cs typeface="+mn-lt"/>
-              </a:rPr>
-              <a:t>write</a:t>
-            </a:r>
-            <a:r>
-              <a:rPr lang="it-IT">
-                <a:ea typeface="+mn-lt"/>
-                <a:cs typeface="+mn-lt"/>
-              </a:rPr>
-              <a:t> a </a:t>
-            </a:r>
-            <a:r>
-              <a:rPr lang="it-IT" err="1">
-                <a:ea typeface="+mn-lt"/>
-                <a:cs typeface="+mn-lt"/>
-              </a:rPr>
-              <a:t>very</a:t>
-            </a:r>
-            <a:r>
-              <a:rPr lang="it-IT">
-                <a:ea typeface="+mn-lt"/>
-                <a:cs typeface="+mn-lt"/>
-              </a:rPr>
-              <a:t> </a:t>
-            </a:r>
-            <a:r>
-              <a:rPr lang="it-IT" err="1">
-                <a:ea typeface="+mn-lt"/>
-                <a:cs typeface="+mn-lt"/>
-              </a:rPr>
-              <a:t>simple</a:t>
-            </a:r>
-            <a:r>
-              <a:rPr lang="it-IT">
-                <a:ea typeface="+mn-lt"/>
-                <a:cs typeface="+mn-lt"/>
-              </a:rPr>
-              <a:t> </a:t>
-            </a:r>
-            <a:r>
-              <a:rPr lang="it-IT" err="1">
-                <a:ea typeface="+mn-lt"/>
-                <a:cs typeface="+mn-lt"/>
-              </a:rPr>
-              <a:t>application</a:t>
-            </a:r>
-            <a:r>
-              <a:rPr lang="it-IT">
-                <a:ea typeface="+mn-lt"/>
-                <a:cs typeface="+mn-lt"/>
-              </a:rPr>
-              <a:t>, </a:t>
-            </a:r>
-            <a:r>
-              <a:rPr lang="it-IT" err="1">
-                <a:ea typeface="+mn-lt"/>
-                <a:cs typeface="+mn-lt"/>
-              </a:rPr>
-              <a:t>namely</a:t>
-            </a:r>
-            <a:r>
-              <a:rPr lang="it-IT">
-                <a:ea typeface="+mn-lt"/>
-                <a:cs typeface="+mn-lt"/>
-              </a:rPr>
-              <a:t>  an </a:t>
-            </a:r>
-            <a:r>
-              <a:rPr lang="it-IT" err="1">
-                <a:ea typeface="+mn-lt"/>
-                <a:cs typeface="+mn-lt"/>
-              </a:rPr>
-              <a:t>endless</a:t>
-            </a:r>
-            <a:r>
-              <a:rPr lang="it-IT">
-                <a:ea typeface="+mn-lt"/>
-                <a:cs typeface="+mn-lt"/>
-              </a:rPr>
-              <a:t> led </a:t>
-            </a:r>
-            <a:r>
-              <a:rPr lang="it-IT" err="1">
-                <a:ea typeface="+mn-lt"/>
-                <a:cs typeface="+mn-lt"/>
-              </a:rPr>
-              <a:t>blinking</a:t>
-            </a:r>
-            <a:r>
-              <a:rPr lang="it-IT">
-                <a:ea typeface="+mn-lt"/>
-                <a:cs typeface="+mn-lt"/>
-              </a:rPr>
-              <a:t>.</a:t>
-            </a:r>
-          </a:p>
-          <a:p>
-            <a:endParaRPr lang="it-IT">
-              <a:ea typeface="+mn-lt"/>
-              <a:cs typeface="+mn-lt"/>
-            </a:endParaRPr>
-          </a:p>
-        </p:txBody>
-      </p:sp>
-      <p:pic>
-        <p:nvPicPr>
-          <p:cNvPr id="5" name="Immagine 5" descr="Immagine che contiene testo&#10;&#10;Descrizione generata automaticamente">
+              <a:rPr lang="it-IT"/>
+              <a:t> are </a:t>
+            </a:r>
+            <a:r>
+              <a:rPr lang="it-IT" err="1"/>
+              <a:t>interested</a:t>
+            </a:r>
+            <a:r>
+              <a:rPr lang="it-IT"/>
+              <a:t> in the </a:t>
+            </a:r>
+            <a:r>
+              <a:rPr lang="it-IT" err="1"/>
+              <a:t>difference</a:t>
+            </a:r>
+            <a:r>
+              <a:rPr lang="it-IT"/>
+              <a:t> RDATA- CLK.</a:t>
+            </a:r>
+          </a:p>
+        </p:txBody>
+      </p:sp>
+      <p:sp>
+        <p:nvSpPr>
+          <p:cNvPr id="4" name="CasellaDiTesto 3">
             <a:extLst>
               <a:ext uri="{FF2B5EF4-FFF2-40B4-BE49-F238E27FC236}">
-                <a16:creationId xmlns:a16="http://schemas.microsoft.com/office/drawing/2014/main" id="{F805A23D-D90B-4D66-A53F-37AD3605E734}"/>
-              </a:ext>
-            </a:extLst>
-          </p:cNvPr>
-          <p:cNvPicPr>
-            <a:picLocks noChangeAspect="1"/>
-          </p:cNvPicPr>
-          <p:nvPr/>
-        </p:nvPicPr>
-        <p:blipFill>
-          <a:blip r:embed="rId3"/>
-          <a:stretch>
-            <a:fillRect/>
-          </a:stretch>
-        </p:blipFill>
-        <p:spPr>
-          <a:xfrm>
-            <a:off x="365759" y="2484747"/>
-            <a:ext cx="5618109" cy="1635693"/>
-          </a:xfrm>
-          <a:prstGeom prst="rect">
-            <a:avLst/>
-          </a:prstGeom>
-        </p:spPr>
-      </p:pic>
-      <p:sp>
-        <p:nvSpPr>
-          <p:cNvPr id="8" name="CasellaDiTesto 7">
-            <a:extLst>
-              <a:ext uri="{FF2B5EF4-FFF2-40B4-BE49-F238E27FC236}">
-                <a16:creationId xmlns:a16="http://schemas.microsoft.com/office/drawing/2014/main" id="{BF74DC4B-FF58-4D3D-A116-27A57A3A4392}"/>
+                <a16:creationId xmlns:a16="http://schemas.microsoft.com/office/drawing/2014/main" id="{A27E4EB7-FFD3-42C3-9E4C-1AC54ABB5EBE}"/>
               </a:ext>
             </a:extLst>
           </p:cNvPr>
@@ -12341,14 +12848,27 @@
         </p:nvSpPr>
         <p:spPr>
           <a:xfrm>
-            <a:off x="-84550" y="376505"/>
-            <a:ext cx="9562740" cy="523220"/>
+            <a:off x="6513612" y="4781305"/>
+            <a:ext cx="1467205" cy="649384"/>
           </a:xfrm>
           <a:prstGeom prst="rect">
             <a:avLst/>
           </a:prstGeom>
-          <a:noFill/>
-        </p:spPr>
+        </p:spPr>
+        <p:style>
+          <a:lnRef idx="2">
+            <a:schemeClr val="accent5"/>
+          </a:lnRef>
+          <a:fillRef idx="1">
+            <a:schemeClr val="lt1"/>
+          </a:fillRef>
+          <a:effectRef idx="0">
+            <a:schemeClr val="accent5"/>
+          </a:effectRef>
+          <a:fontRef idx="minor">
+            <a:schemeClr val="dk1"/>
+          </a:fontRef>
+        </p:style>
         <p:txBody>
           <a:bodyPr rot="0" spcFirstLastPara="0" vertOverflow="overflow" horzOverflow="overflow" vert="horz" wrap="square" lIns="91440" tIns="45720" rIns="91440" bIns="45720" numCol="1" spcCol="0" rtlCol="0" fromWordArt="0" anchor="t" anchorCtr="0" forceAA="0" compatLnSpc="1">
             <a:prstTxWarp prst="textNoShape">
@@ -12359,66 +12879,26 @@
           <a:lstStyle/>
           <a:p>
             <a:r>
-              <a:rPr lang="it-IT" sz="2800">
-                <a:solidFill>
-                  <a:schemeClr val="bg1"/>
-                </a:solidFill>
+              <a:rPr lang="it-IT" err="1">
                 <a:cs typeface="Calibri"/>
               </a:rPr>
-              <a:t>  </a:t>
-            </a:r>
-            <a:r>
-              <a:rPr lang="it-IT" sz="2800" err="1">
-                <a:solidFill>
-                  <a:schemeClr val="bg1"/>
-                </a:solidFill>
+              <a:t>Our</a:t>
+            </a:r>
+            <a:r>
+              <a:rPr lang="it-IT">
                 <a:cs typeface="Calibri"/>
               </a:rPr>
-              <a:t>Our</a:t>
-            </a:r>
-            <a:r>
-              <a:rPr lang="it-IT" sz="2800">
-                <a:solidFill>
-                  <a:schemeClr val="bg1"/>
-                </a:solidFill>
-                <a:cs typeface="Calibri"/>
-              </a:rPr>
-              <a:t> firmware</a:t>
-            </a:r>
-          </a:p>
-        </p:txBody>
-      </p:sp>
-      <p:pic>
-        <p:nvPicPr>
-          <p:cNvPr id="6" name="Immagine 9">
-            <a:extLst>
-              <a:ext uri="{FF2B5EF4-FFF2-40B4-BE49-F238E27FC236}">
-                <a16:creationId xmlns:a16="http://schemas.microsoft.com/office/drawing/2014/main" id="{F86C8DEE-EF17-47A0-B532-E6AE87E293F5}"/>
-              </a:ext>
-            </a:extLst>
-          </p:cNvPr>
-          <p:cNvPicPr>
-            <a:picLocks noChangeAspect="1"/>
-          </p:cNvPicPr>
-          <p:nvPr/>
-        </p:nvPicPr>
-        <p:blipFill>
-          <a:blip r:embed="rId4"/>
-          <a:stretch>
-            <a:fillRect/>
-          </a:stretch>
-        </p:blipFill>
-        <p:spPr>
-          <a:xfrm>
-            <a:off x="3640338" y="4243899"/>
-            <a:ext cx="5382644" cy="1860111"/>
-          </a:xfrm>
-          <a:prstGeom prst="rect">
-            <a:avLst/>
-          </a:prstGeom>
-        </p:spPr>
-      </p:pic>
+              <a:t> Memory 0,94 ns</a:t>
+            </a:r>
+          </a:p>
+        </p:txBody>
+      </p:sp>
     </p:spTree>
+    <p:extLst>
+      <p:ext uri="{BB962C8B-B14F-4D97-AF65-F5344CB8AC3E}">
+        <p14:creationId xmlns:p14="http://schemas.microsoft.com/office/powerpoint/2010/main" val="3761007840"/>
+      </p:ext>
+    </p:extLst>
   </p:cSld>
   <p:clrMapOvr>
     <a:masterClrMapping/>
